--- a/Present/master.pptx
+++ b/Present/master.pptx
@@ -6,22 +6,26 @@
   </p:sldMasterIdLst>
   <p:sldIdLst>
     <p:sldId id="256" r:id="rId2"/>
-    <p:sldId id="257" r:id="rId3"/>
-    <p:sldId id="258" r:id="rId4"/>
-    <p:sldId id="259" r:id="rId5"/>
-    <p:sldId id="260" r:id="rId6"/>
-    <p:sldId id="261" r:id="rId7"/>
-    <p:sldId id="262" r:id="rId8"/>
-    <p:sldId id="263" r:id="rId9"/>
-    <p:sldId id="264" r:id="rId10"/>
-    <p:sldId id="265" r:id="rId11"/>
-    <p:sldId id="266" r:id="rId12"/>
-    <p:sldId id="268" r:id="rId13"/>
-    <p:sldId id="269" r:id="rId14"/>
-    <p:sldId id="270" r:id="rId15"/>
-    <p:sldId id="271" r:id="rId16"/>
-    <p:sldId id="272" r:id="rId17"/>
-    <p:sldId id="267" r:id="rId18"/>
+    <p:sldId id="273" r:id="rId3"/>
+    <p:sldId id="257" r:id="rId4"/>
+    <p:sldId id="274" r:id="rId5"/>
+    <p:sldId id="275" r:id="rId6"/>
+    <p:sldId id="258" r:id="rId7"/>
+    <p:sldId id="259" r:id="rId8"/>
+    <p:sldId id="260" r:id="rId9"/>
+    <p:sldId id="261" r:id="rId10"/>
+    <p:sldId id="262" r:id="rId11"/>
+    <p:sldId id="263" r:id="rId12"/>
+    <p:sldId id="264" r:id="rId13"/>
+    <p:sldId id="265" r:id="rId14"/>
+    <p:sldId id="266" r:id="rId15"/>
+    <p:sldId id="268" r:id="rId16"/>
+    <p:sldId id="269" r:id="rId17"/>
+    <p:sldId id="270" r:id="rId18"/>
+    <p:sldId id="271" r:id="rId19"/>
+    <p:sldId id="272" r:id="rId20"/>
+    <p:sldId id="267" r:id="rId21"/>
+    <p:sldId id="276" r:id="rId22"/>
   </p:sldIdLst>
   <p:sldSz cx="12192000" cy="6858000"/>
   <p:notesSz cx="6858000" cy="9144000"/>
@@ -120,6 +124,11 @@
       </a:defRPr>
     </a:lvl9pPr>
   </p:defaultTextStyle>
+  <p:extLst>
+    <p:ext uri="{EFAFB233-063F-42B5-8137-9DF3F51BA10A}">
+      <p15:sldGuideLst xmlns:p15="http://schemas.microsoft.com/office/powerpoint/2012/main"/>
+    </p:ext>
+  </p:extLst>
 </p:presentation>
 </file>
 
@@ -180,7 +189,7 @@
           <a:noFill/>
           <a:extLst>
             <a:ext uri="{909E8E84-426E-40dd-AFC4-6F175D3DCCD1}">
-              <a14:hiddenFill xmlns:a14="http://schemas.microsoft.com/office/drawing/2010/main" xmlns="">
+              <a14:hiddenFill xmlns="" xmlns:a14="http://schemas.microsoft.com/office/drawing/2010/main">
                 <a:solidFill>
                   <a:srgbClr val="FFFFFF"/>
                 </a:solidFill>
@@ -239,7 +248,7 @@
             </a:ln>
             <a:extLst>
               <a:ext uri="{91240B29-F687-4f45-9708-019B960494DF}">
-                <a14:hiddenLine xmlns:a14="http://schemas.microsoft.com/office/drawing/2010/main" xmlns="" w="9525">
+                <a14:hiddenLine xmlns="" xmlns:a14="http://schemas.microsoft.com/office/drawing/2010/main" w="9525">
                   <a:solidFill>
                     <a:srgbClr val="000000"/>
                   </a:solidFill>
@@ -329,7 +338,7 @@
             </a:ln>
             <a:extLst>
               <a:ext uri="{91240B29-F687-4f45-9708-019B960494DF}">
-                <a14:hiddenLine xmlns:a14="http://schemas.microsoft.com/office/drawing/2010/main" xmlns="" w="9525">
+                <a14:hiddenLine xmlns="" xmlns:a14="http://schemas.microsoft.com/office/drawing/2010/main" w="9525">
                   <a:solidFill>
                     <a:srgbClr val="000000"/>
                   </a:solidFill>
@@ -419,7 +428,7 @@
             </a:ln>
             <a:extLst>
               <a:ext uri="{91240B29-F687-4f45-9708-019B960494DF}">
-                <a14:hiddenLine xmlns:a14="http://schemas.microsoft.com/office/drawing/2010/main" xmlns="" w="9525">
+                <a14:hiddenLine xmlns="" xmlns:a14="http://schemas.microsoft.com/office/drawing/2010/main" w="9525">
                   <a:solidFill>
                     <a:srgbClr val="000000"/>
                   </a:solidFill>
@@ -453,7 +462,7 @@
             </a:ln>
             <a:extLst>
               <a:ext uri="{91240B29-F687-4f45-9708-019B960494DF}">
-                <a14:hiddenLine xmlns:a14="http://schemas.microsoft.com/office/drawing/2010/main" xmlns="" w="9525">
+                <a14:hiddenLine xmlns="" xmlns:a14="http://schemas.microsoft.com/office/drawing/2010/main" w="9525">
                   <a:solidFill>
                     <a:srgbClr val="000000"/>
                   </a:solidFill>
@@ -543,7 +552,7 @@
             </a:ln>
             <a:extLst>
               <a:ext uri="{91240B29-F687-4f45-9708-019B960494DF}">
-                <a14:hiddenLine xmlns:a14="http://schemas.microsoft.com/office/drawing/2010/main" xmlns="" w="9525">
+                <a14:hiddenLine xmlns="" xmlns:a14="http://schemas.microsoft.com/office/drawing/2010/main" w="9525">
                   <a:solidFill>
                     <a:srgbClr val="000000"/>
                   </a:solidFill>
@@ -605,7 +614,7 @@
             </a:ln>
             <a:extLst>
               <a:ext uri="{91240B29-F687-4f45-9708-019B960494DF}">
-                <a14:hiddenLine xmlns:a14="http://schemas.microsoft.com/office/drawing/2010/main" xmlns="" w="9525">
+                <a14:hiddenLine xmlns="" xmlns:a14="http://schemas.microsoft.com/office/drawing/2010/main" w="9525">
                   <a:solidFill>
                     <a:srgbClr val="000000"/>
                   </a:solidFill>
@@ -667,7 +676,7 @@
             </a:ln>
             <a:extLst>
               <a:ext uri="{91240B29-F687-4f45-9708-019B960494DF}">
-                <a14:hiddenLine xmlns:a14="http://schemas.microsoft.com/office/drawing/2010/main" xmlns="" w="9525">
+                <a14:hiddenLine xmlns="" xmlns:a14="http://schemas.microsoft.com/office/drawing/2010/main" w="9525">
                   <a:solidFill>
                     <a:srgbClr val="000000"/>
                   </a:solidFill>
@@ -757,7 +766,7 @@
             </a:ln>
             <a:extLst>
               <a:ext uri="{91240B29-F687-4f45-9708-019B960494DF}">
-                <a14:hiddenLine xmlns:a14="http://schemas.microsoft.com/office/drawing/2010/main" xmlns="" w="9525">
+                <a14:hiddenLine xmlns="" xmlns:a14="http://schemas.microsoft.com/office/drawing/2010/main" w="9525">
                   <a:solidFill>
                     <a:srgbClr val="000000"/>
                   </a:solidFill>
@@ -819,7 +828,7 @@
             </a:ln>
             <a:extLst>
               <a:ext uri="{91240B29-F687-4f45-9708-019B960494DF}">
-                <a14:hiddenLine xmlns:a14="http://schemas.microsoft.com/office/drawing/2010/main" xmlns="" w="9525">
+                <a14:hiddenLine xmlns="" xmlns:a14="http://schemas.microsoft.com/office/drawing/2010/main" w="9525">
                   <a:solidFill>
                     <a:srgbClr val="000000"/>
                   </a:solidFill>
@@ -881,7 +890,7 @@
             </a:ln>
             <a:extLst>
               <a:ext uri="{91240B29-F687-4f45-9708-019B960494DF}">
-                <a14:hiddenLine xmlns:a14="http://schemas.microsoft.com/office/drawing/2010/main" xmlns="" w="9525">
+                <a14:hiddenLine xmlns="" xmlns:a14="http://schemas.microsoft.com/office/drawing/2010/main" w="9525">
                   <a:solidFill>
                     <a:srgbClr val="000000"/>
                   </a:solidFill>
@@ -971,7 +980,7 @@
             </a:ln>
             <a:extLst>
               <a:ext uri="{91240B29-F687-4f45-9708-019B960494DF}">
-                <a14:hiddenLine xmlns:a14="http://schemas.microsoft.com/office/drawing/2010/main" xmlns="" w="9525">
+                <a14:hiddenLine xmlns="" xmlns:a14="http://schemas.microsoft.com/office/drawing/2010/main" w="9525">
                   <a:solidFill>
                     <a:srgbClr val="000000"/>
                   </a:solidFill>
@@ -1061,7 +1070,7 @@
             </a:ln>
             <a:extLst>
               <a:ext uri="{91240B29-F687-4f45-9708-019B960494DF}">
-                <a14:hiddenLine xmlns:a14="http://schemas.microsoft.com/office/drawing/2010/main" xmlns="" w="9525">
+                <a14:hiddenLine xmlns="" xmlns:a14="http://schemas.microsoft.com/office/drawing/2010/main" w="9525">
                   <a:solidFill>
                     <a:srgbClr val="000000"/>
                   </a:solidFill>
@@ -1123,7 +1132,7 @@
             </a:ln>
             <a:extLst>
               <a:ext uri="{91240B29-F687-4f45-9708-019B960494DF}">
-                <a14:hiddenLine xmlns:a14="http://schemas.microsoft.com/office/drawing/2010/main" xmlns="" w="9525">
+                <a14:hiddenLine xmlns="" xmlns:a14="http://schemas.microsoft.com/office/drawing/2010/main" w="9525">
                   <a:solidFill>
                     <a:srgbClr val="000000"/>
                   </a:solidFill>
@@ -1233,7 +1242,7 @@
             </a:ln>
             <a:extLst>
               <a:ext uri="{91240B29-F687-4f45-9708-019B960494DF}">
-                <a14:hiddenLine xmlns:a14="http://schemas.microsoft.com/office/drawing/2010/main" xmlns="" w="9525">
+                <a14:hiddenLine xmlns="" xmlns:a14="http://schemas.microsoft.com/office/drawing/2010/main" w="9525">
                   <a:solidFill>
                     <a:srgbClr val="000000"/>
                   </a:solidFill>
@@ -1295,7 +1304,7 @@
             </a:ln>
             <a:extLst>
               <a:ext uri="{91240B29-F687-4f45-9708-019B960494DF}">
-                <a14:hiddenLine xmlns:a14="http://schemas.microsoft.com/office/drawing/2010/main" xmlns="" w="9525">
+                <a14:hiddenLine xmlns="" xmlns:a14="http://schemas.microsoft.com/office/drawing/2010/main" w="9525">
                   <a:solidFill>
                     <a:srgbClr val="000000"/>
                   </a:solidFill>
@@ -1385,7 +1394,7 @@
             </a:ln>
             <a:extLst>
               <a:ext uri="{91240B29-F687-4f45-9708-019B960494DF}">
-                <a14:hiddenLine xmlns:a14="http://schemas.microsoft.com/office/drawing/2010/main" xmlns="" w="9525">
+                <a14:hiddenLine xmlns="" xmlns:a14="http://schemas.microsoft.com/office/drawing/2010/main" w="9525">
                   <a:solidFill>
                     <a:srgbClr val="000000"/>
                   </a:solidFill>
@@ -1475,7 +1484,7 @@
             </a:ln>
             <a:extLst>
               <a:ext uri="{91240B29-F687-4f45-9708-019B960494DF}">
-                <a14:hiddenLine xmlns:a14="http://schemas.microsoft.com/office/drawing/2010/main" xmlns="" w="9525">
+                <a14:hiddenLine xmlns="" xmlns:a14="http://schemas.microsoft.com/office/drawing/2010/main" w="9525">
                   <a:solidFill>
                     <a:srgbClr val="000000"/>
                   </a:solidFill>
@@ -1537,7 +1546,7 @@
             </a:ln>
             <a:extLst>
               <a:ext uri="{91240B29-F687-4f45-9708-019B960494DF}">
-                <a14:hiddenLine xmlns:a14="http://schemas.microsoft.com/office/drawing/2010/main" xmlns="" w="9525">
+                <a14:hiddenLine xmlns="" xmlns:a14="http://schemas.microsoft.com/office/drawing/2010/main" w="9525">
                   <a:solidFill>
                     <a:srgbClr val="000000"/>
                   </a:solidFill>
@@ -1627,7 +1636,7 @@
             </a:ln>
             <a:extLst>
               <a:ext uri="{91240B29-F687-4f45-9708-019B960494DF}">
-                <a14:hiddenLine xmlns:a14="http://schemas.microsoft.com/office/drawing/2010/main" xmlns="" w="9525">
+                <a14:hiddenLine xmlns="" xmlns:a14="http://schemas.microsoft.com/office/drawing/2010/main" w="9525">
                   <a:solidFill>
                     <a:srgbClr val="000000"/>
                   </a:solidFill>
@@ -1717,7 +1726,7 @@
             </a:ln>
             <a:extLst>
               <a:ext uri="{91240B29-F687-4f45-9708-019B960494DF}">
-                <a14:hiddenLine xmlns:a14="http://schemas.microsoft.com/office/drawing/2010/main" xmlns="" w="9525">
+                <a14:hiddenLine xmlns="" xmlns:a14="http://schemas.microsoft.com/office/drawing/2010/main" w="9525">
                   <a:solidFill>
                     <a:srgbClr val="000000"/>
                   </a:solidFill>
@@ -1773,7 +1782,7 @@
             </a:ln>
             <a:extLst>
               <a:ext uri="{91240B29-F687-4f45-9708-019B960494DF}">
-                <a14:hiddenLine xmlns:a14="http://schemas.microsoft.com/office/drawing/2010/main" xmlns="" w="9525">
+                <a14:hiddenLine xmlns="" xmlns:a14="http://schemas.microsoft.com/office/drawing/2010/main" w="9525">
                   <a:solidFill>
                     <a:srgbClr val="000000"/>
                   </a:solidFill>
@@ -1863,7 +1872,7 @@
             </a:ln>
             <a:extLst>
               <a:ext uri="{91240B29-F687-4f45-9708-019B960494DF}">
-                <a14:hiddenLine xmlns:a14="http://schemas.microsoft.com/office/drawing/2010/main" xmlns="" w="9525">
+                <a14:hiddenLine xmlns="" xmlns:a14="http://schemas.microsoft.com/office/drawing/2010/main" w="9525">
                   <a:solidFill>
                     <a:srgbClr val="000000"/>
                   </a:solidFill>
@@ -1919,7 +1928,7 @@
             </a:ln>
             <a:extLst>
               <a:ext uri="{91240B29-F687-4f45-9708-019B960494DF}">
-                <a14:hiddenLine xmlns:a14="http://schemas.microsoft.com/office/drawing/2010/main" xmlns="" w="9525">
+                <a14:hiddenLine xmlns="" xmlns:a14="http://schemas.microsoft.com/office/drawing/2010/main" w="9525">
                   <a:solidFill>
                     <a:srgbClr val="000000"/>
                   </a:solidFill>
@@ -2009,7 +2018,7 @@
             </a:ln>
             <a:extLst>
               <a:ext uri="{91240B29-F687-4f45-9708-019B960494DF}">
-                <a14:hiddenLine xmlns:a14="http://schemas.microsoft.com/office/drawing/2010/main" xmlns="" w="9525">
+                <a14:hiddenLine xmlns="" xmlns:a14="http://schemas.microsoft.com/office/drawing/2010/main" w="9525">
                   <a:solidFill>
                     <a:srgbClr val="000000"/>
                   </a:solidFill>
@@ -2077,7 +2086,7 @@
             </a:ln>
             <a:extLst>
               <a:ext uri="{91240B29-F687-4f45-9708-019B960494DF}">
-                <a14:hiddenLine xmlns:a14="http://schemas.microsoft.com/office/drawing/2010/main" xmlns="" w="9525">
+                <a14:hiddenLine xmlns="" xmlns:a14="http://schemas.microsoft.com/office/drawing/2010/main" w="9525">
                   <a:solidFill>
                     <a:srgbClr val="000000"/>
                   </a:solidFill>
@@ -2167,7 +2176,7 @@
             </a:ln>
             <a:extLst>
               <a:ext uri="{91240B29-F687-4f45-9708-019B960494DF}">
-                <a14:hiddenLine xmlns:a14="http://schemas.microsoft.com/office/drawing/2010/main" xmlns="" w="9525">
+                <a14:hiddenLine xmlns="" xmlns:a14="http://schemas.microsoft.com/office/drawing/2010/main" w="9525">
                   <a:solidFill>
                     <a:srgbClr val="000000"/>
                   </a:solidFill>
@@ -2235,7 +2244,7 @@
             </a:ln>
             <a:extLst>
               <a:ext uri="{91240B29-F687-4f45-9708-019B960494DF}">
-                <a14:hiddenLine xmlns:a14="http://schemas.microsoft.com/office/drawing/2010/main" xmlns="" w="9525">
+                <a14:hiddenLine xmlns="" xmlns:a14="http://schemas.microsoft.com/office/drawing/2010/main" w="9525">
                   <a:solidFill>
                     <a:srgbClr val="000000"/>
                   </a:solidFill>
@@ -2325,7 +2334,7 @@
             </a:ln>
             <a:extLst>
               <a:ext uri="{91240B29-F687-4f45-9708-019B960494DF}">
-                <a14:hiddenLine xmlns:a14="http://schemas.microsoft.com/office/drawing/2010/main" xmlns="" w="9525">
+                <a14:hiddenLine xmlns="" xmlns:a14="http://schemas.microsoft.com/office/drawing/2010/main" w="9525">
                   <a:solidFill>
                     <a:srgbClr val="000000"/>
                   </a:solidFill>
@@ -2359,7 +2368,7 @@
             </a:ln>
             <a:extLst>
               <a:ext uri="{91240B29-F687-4f45-9708-019B960494DF}">
-                <a14:hiddenLine xmlns:a14="http://schemas.microsoft.com/office/drawing/2010/main" xmlns="" w="9525">
+                <a14:hiddenLine xmlns="" xmlns:a14="http://schemas.microsoft.com/office/drawing/2010/main" w="9525">
                   <a:solidFill>
                     <a:srgbClr val="000000"/>
                   </a:solidFill>
@@ -2449,7 +2458,7 @@
             </a:ln>
             <a:extLst>
               <a:ext uri="{91240B29-F687-4f45-9708-019B960494DF}">
-                <a14:hiddenLine xmlns:a14="http://schemas.microsoft.com/office/drawing/2010/main" xmlns="" w="9525">
+                <a14:hiddenLine xmlns="" xmlns:a14="http://schemas.microsoft.com/office/drawing/2010/main" w="9525">
                   <a:solidFill>
                     <a:srgbClr val="000000"/>
                   </a:solidFill>
@@ -2511,7 +2520,7 @@
             </a:ln>
             <a:extLst>
               <a:ext uri="{91240B29-F687-4f45-9708-019B960494DF}">
-                <a14:hiddenLine xmlns:a14="http://schemas.microsoft.com/office/drawing/2010/main" xmlns="" w="9525">
+                <a14:hiddenLine xmlns="" xmlns:a14="http://schemas.microsoft.com/office/drawing/2010/main" w="9525">
                   <a:solidFill>
                     <a:srgbClr val="000000"/>
                   </a:solidFill>
@@ -2573,7 +2582,7 @@
             </a:ln>
             <a:extLst>
               <a:ext uri="{91240B29-F687-4f45-9708-019B960494DF}">
-                <a14:hiddenLine xmlns:a14="http://schemas.microsoft.com/office/drawing/2010/main" xmlns="" w="9525">
+                <a14:hiddenLine xmlns="" xmlns:a14="http://schemas.microsoft.com/office/drawing/2010/main" w="9525">
                   <a:solidFill>
                     <a:srgbClr val="000000"/>
                   </a:solidFill>
@@ -2663,7 +2672,7 @@
             </a:ln>
             <a:extLst>
               <a:ext uri="{91240B29-F687-4f45-9708-019B960494DF}">
-                <a14:hiddenLine xmlns:a14="http://schemas.microsoft.com/office/drawing/2010/main" xmlns="" w="9525">
+                <a14:hiddenLine xmlns="" xmlns:a14="http://schemas.microsoft.com/office/drawing/2010/main" w="9525">
                   <a:solidFill>
                     <a:srgbClr val="000000"/>
                   </a:solidFill>
@@ -2731,7 +2740,7 @@
             </a:ln>
             <a:extLst>
               <a:ext uri="{91240B29-F687-4f45-9708-019B960494DF}">
-                <a14:hiddenLine xmlns:a14="http://schemas.microsoft.com/office/drawing/2010/main" xmlns="" w="9525">
+                <a14:hiddenLine xmlns="" xmlns:a14="http://schemas.microsoft.com/office/drawing/2010/main" w="9525">
                   <a:solidFill>
                     <a:srgbClr val="000000"/>
                   </a:solidFill>
@@ -2793,7 +2802,7 @@
             </a:ln>
             <a:extLst>
               <a:ext uri="{91240B29-F687-4f45-9708-019B960494DF}">
-                <a14:hiddenLine xmlns:a14="http://schemas.microsoft.com/office/drawing/2010/main" xmlns="" w="9525">
+                <a14:hiddenLine xmlns="" xmlns:a14="http://schemas.microsoft.com/office/drawing/2010/main" w="9525">
                   <a:solidFill>
                     <a:srgbClr val="000000"/>
                   </a:solidFill>
@@ -2883,7 +2892,7 @@
             </a:ln>
             <a:extLst>
               <a:ext uri="{91240B29-F687-4f45-9708-019B960494DF}">
-                <a14:hiddenLine xmlns:a14="http://schemas.microsoft.com/office/drawing/2010/main" xmlns="" w="9525">
+                <a14:hiddenLine xmlns="" xmlns:a14="http://schemas.microsoft.com/office/drawing/2010/main" w="9525">
                   <a:solidFill>
                     <a:srgbClr val="000000"/>
                   </a:solidFill>
@@ -2945,7 +2954,7 @@
             </a:ln>
             <a:extLst>
               <a:ext uri="{91240B29-F687-4f45-9708-019B960494DF}">
-                <a14:hiddenLine xmlns:a14="http://schemas.microsoft.com/office/drawing/2010/main" xmlns="" w="9525">
+                <a14:hiddenLine xmlns="" xmlns:a14="http://schemas.microsoft.com/office/drawing/2010/main" w="9525">
                   <a:solidFill>
                     <a:srgbClr val="000000"/>
                   </a:solidFill>
@@ -3035,7 +3044,7 @@
             </a:ln>
             <a:extLst>
               <a:ext uri="{91240B29-F687-4f45-9708-019B960494DF}">
-                <a14:hiddenLine xmlns:a14="http://schemas.microsoft.com/office/drawing/2010/main" xmlns="" w="9525">
+                <a14:hiddenLine xmlns="" xmlns:a14="http://schemas.microsoft.com/office/drawing/2010/main" w="9525">
                   <a:solidFill>
                     <a:srgbClr val="000000"/>
                   </a:solidFill>
@@ -3097,7 +3106,7 @@
             </a:ln>
             <a:extLst>
               <a:ext uri="{91240B29-F687-4f45-9708-019B960494DF}">
-                <a14:hiddenLine xmlns:a14="http://schemas.microsoft.com/office/drawing/2010/main" xmlns="" w="9525">
+                <a14:hiddenLine xmlns="" xmlns:a14="http://schemas.microsoft.com/office/drawing/2010/main" w="9525">
                   <a:solidFill>
                     <a:srgbClr val="000000"/>
                   </a:solidFill>
@@ -3187,7 +3196,7 @@
             </a:ln>
             <a:extLst>
               <a:ext uri="{91240B29-F687-4f45-9708-019B960494DF}">
-                <a14:hiddenLine xmlns:a14="http://schemas.microsoft.com/office/drawing/2010/main" xmlns="" w="9525">
+                <a14:hiddenLine xmlns="" xmlns:a14="http://schemas.microsoft.com/office/drawing/2010/main" w="9525">
                   <a:solidFill>
                     <a:srgbClr val="000000"/>
                   </a:solidFill>
@@ -3221,7 +3230,7 @@
             </a:ln>
             <a:extLst>
               <a:ext uri="{91240B29-F687-4f45-9708-019B960494DF}">
-                <a14:hiddenLine xmlns:a14="http://schemas.microsoft.com/office/drawing/2010/main" xmlns="" w="9525">
+                <a14:hiddenLine xmlns="" xmlns:a14="http://schemas.microsoft.com/office/drawing/2010/main" w="9525">
                   <a:solidFill>
                     <a:srgbClr val="000000"/>
                   </a:solidFill>
@@ -3286,7 +3295,7 @@
             </a:ln>
             <a:extLst>
               <a:ext uri="{91240B29-F687-4f45-9708-019B960494DF}">
-                <a14:hiddenLine xmlns:a14="http://schemas.microsoft.com/office/drawing/2010/main" xmlns="" w="9525">
+                <a14:hiddenLine xmlns="" xmlns:a14="http://schemas.microsoft.com/office/drawing/2010/main" w="9525">
                   <a:solidFill>
                     <a:srgbClr val="000000"/>
                   </a:solidFill>
@@ -3376,7 +3385,7 @@
             </a:ln>
             <a:extLst>
               <a:ext uri="{91240B29-F687-4f45-9708-019B960494DF}">
-                <a14:hiddenLine xmlns:a14="http://schemas.microsoft.com/office/drawing/2010/main" xmlns="" w="9525">
+                <a14:hiddenLine xmlns="" xmlns:a14="http://schemas.microsoft.com/office/drawing/2010/main" w="9525">
                   <a:solidFill>
                     <a:srgbClr val="000000"/>
                   </a:solidFill>
@@ -3438,7 +3447,7 @@
             </a:ln>
             <a:extLst>
               <a:ext uri="{91240B29-F687-4f45-9708-019B960494DF}">
-                <a14:hiddenLine xmlns:a14="http://schemas.microsoft.com/office/drawing/2010/main" xmlns="" w="9525">
+                <a14:hiddenLine xmlns="" xmlns:a14="http://schemas.microsoft.com/office/drawing/2010/main" w="9525">
                   <a:solidFill>
                     <a:srgbClr val="000000"/>
                   </a:solidFill>
@@ -3528,7 +3537,7 @@
             </a:ln>
             <a:extLst>
               <a:ext uri="{91240B29-F687-4f45-9708-019B960494DF}">
-                <a14:hiddenLine xmlns:a14="http://schemas.microsoft.com/office/drawing/2010/main" xmlns="" w="9525">
+                <a14:hiddenLine xmlns="" xmlns:a14="http://schemas.microsoft.com/office/drawing/2010/main" w="9525">
                   <a:solidFill>
                     <a:srgbClr val="000000"/>
                   </a:solidFill>
@@ -3618,7 +3627,7 @@
             </a:ln>
             <a:extLst>
               <a:ext uri="{91240B29-F687-4f45-9708-019B960494DF}">
-                <a14:hiddenLine xmlns:a14="http://schemas.microsoft.com/office/drawing/2010/main" xmlns="" w="9525">
+                <a14:hiddenLine xmlns="" xmlns:a14="http://schemas.microsoft.com/office/drawing/2010/main" w="9525">
                   <a:solidFill>
                     <a:srgbClr val="000000"/>
                   </a:solidFill>
@@ -3683,7 +3692,7 @@
             </a:ln>
             <a:extLst>
               <a:ext uri="{91240B29-F687-4f45-9708-019B960494DF}">
-                <a14:hiddenLine xmlns:a14="http://schemas.microsoft.com/office/drawing/2010/main" xmlns="" w="9525">
+                <a14:hiddenLine xmlns="" xmlns:a14="http://schemas.microsoft.com/office/drawing/2010/main" w="9525">
                   <a:solidFill>
                     <a:srgbClr val="000000"/>
                   </a:solidFill>
@@ -3745,7 +3754,7 @@
             </a:ln>
             <a:extLst>
               <a:ext uri="{91240B29-F687-4f45-9708-019B960494DF}">
-                <a14:hiddenLine xmlns:a14="http://schemas.microsoft.com/office/drawing/2010/main" xmlns="" w="9525">
+                <a14:hiddenLine xmlns="" xmlns:a14="http://schemas.microsoft.com/office/drawing/2010/main" w="9525">
                   <a:solidFill>
                     <a:srgbClr val="000000"/>
                   </a:solidFill>
@@ -3835,7 +3844,7 @@
             </a:ln>
             <a:extLst>
               <a:ext uri="{91240B29-F687-4f45-9708-019B960494DF}">
-                <a14:hiddenLine xmlns:a14="http://schemas.microsoft.com/office/drawing/2010/main" xmlns="" w="9525">
+                <a14:hiddenLine xmlns="" xmlns:a14="http://schemas.microsoft.com/office/drawing/2010/main" w="9525">
                   <a:solidFill>
                     <a:srgbClr val="000000"/>
                   </a:solidFill>
@@ -3925,7 +3934,7 @@
             </a:ln>
             <a:extLst>
               <a:ext uri="{91240B29-F687-4f45-9708-019B960494DF}">
-                <a14:hiddenLine xmlns:a14="http://schemas.microsoft.com/office/drawing/2010/main" xmlns="" w="9525">
+                <a14:hiddenLine xmlns="" xmlns:a14="http://schemas.microsoft.com/office/drawing/2010/main" w="9525">
                   <a:solidFill>
                     <a:srgbClr val="000000"/>
                   </a:solidFill>
@@ -3987,7 +3996,7 @@
             </a:ln>
             <a:extLst>
               <a:ext uri="{91240B29-F687-4f45-9708-019B960494DF}">
-                <a14:hiddenLine xmlns:a14="http://schemas.microsoft.com/office/drawing/2010/main" xmlns="" w="9525">
+                <a14:hiddenLine xmlns="" xmlns:a14="http://schemas.microsoft.com/office/drawing/2010/main" w="9525">
                   <a:solidFill>
                     <a:srgbClr val="000000"/>
                   </a:solidFill>
@@ -4107,7 +4116,7 @@
             </a:ln>
             <a:extLst>
               <a:ext uri="{91240B29-F687-4f45-9708-019B960494DF}">
-                <a14:hiddenLine xmlns:a14="http://schemas.microsoft.com/office/drawing/2010/main" xmlns="" w="9525">
+                <a14:hiddenLine xmlns="" xmlns:a14="http://schemas.microsoft.com/office/drawing/2010/main" w="9525">
                   <a:solidFill>
                     <a:srgbClr val="000000"/>
                   </a:solidFill>
@@ -4175,7 +4184,7 @@
             </a:ln>
             <a:extLst>
               <a:ext uri="{91240B29-F687-4f45-9708-019B960494DF}">
-                <a14:hiddenLine xmlns:a14="http://schemas.microsoft.com/office/drawing/2010/main" xmlns="" w="9525">
+                <a14:hiddenLine xmlns="" xmlns:a14="http://schemas.microsoft.com/office/drawing/2010/main" w="9525">
                   <a:solidFill>
                     <a:srgbClr val="000000"/>
                   </a:solidFill>
@@ -4265,7 +4274,7 @@
             </a:ln>
             <a:extLst>
               <a:ext uri="{91240B29-F687-4f45-9708-019B960494DF}">
-                <a14:hiddenLine xmlns:a14="http://schemas.microsoft.com/office/drawing/2010/main" xmlns="" w="9525">
+                <a14:hiddenLine xmlns="" xmlns:a14="http://schemas.microsoft.com/office/drawing/2010/main" w="9525">
                   <a:solidFill>
                     <a:srgbClr val="000000"/>
                   </a:solidFill>
@@ -9079,7 +9088,7 @@
           <a:noFill/>
           <a:extLst>
             <a:ext uri="{909E8E84-426E-40dd-AFC4-6F175D3DCCD1}">
-              <a14:hiddenFill xmlns:a14="http://schemas.microsoft.com/office/drawing/2010/main" xmlns="">
+              <a14:hiddenFill xmlns="" xmlns:a14="http://schemas.microsoft.com/office/drawing/2010/main">
                 <a:solidFill>
                   <a:srgbClr val="FFFFFF"/>
                 </a:solidFill>
@@ -9153,7 +9162,7 @@
               </a:ln>
               <a:extLst>
                 <a:ext uri="{91240B29-F687-4f45-9708-019B960494DF}">
-                  <a14:hiddenLine xmlns:a14="http://schemas.microsoft.com/office/drawing/2010/main" xmlns="" w="9525">
+                  <a14:hiddenLine xmlns="" xmlns:a14="http://schemas.microsoft.com/office/drawing/2010/main" w="9525">
                     <a:solidFill>
                       <a:srgbClr val="000000"/>
                     </a:solidFill>
@@ -9243,7 +9252,7 @@
               </a:ln>
               <a:extLst>
                 <a:ext uri="{91240B29-F687-4f45-9708-019B960494DF}">
-                  <a14:hiddenLine xmlns:a14="http://schemas.microsoft.com/office/drawing/2010/main" xmlns="" w="9525">
+                  <a14:hiddenLine xmlns="" xmlns:a14="http://schemas.microsoft.com/office/drawing/2010/main" w="9525">
                     <a:solidFill>
                       <a:srgbClr val="000000"/>
                     </a:solidFill>
@@ -9333,7 +9342,7 @@
               </a:ln>
               <a:extLst>
                 <a:ext uri="{91240B29-F687-4f45-9708-019B960494DF}">
-                  <a14:hiddenLine xmlns:a14="http://schemas.microsoft.com/office/drawing/2010/main" xmlns="" w="9525">
+                  <a14:hiddenLine xmlns="" xmlns:a14="http://schemas.microsoft.com/office/drawing/2010/main" w="9525">
                     <a:solidFill>
                       <a:srgbClr val="000000"/>
                     </a:solidFill>
@@ -9395,7 +9404,7 @@
               </a:ln>
               <a:extLst>
                 <a:ext uri="{91240B29-F687-4f45-9708-019B960494DF}">
-                  <a14:hiddenLine xmlns:a14="http://schemas.microsoft.com/office/drawing/2010/main" xmlns="" w="9525">
+                  <a14:hiddenLine xmlns="" xmlns:a14="http://schemas.microsoft.com/office/drawing/2010/main" w="9525">
                     <a:solidFill>
                       <a:srgbClr val="000000"/>
                     </a:solidFill>
@@ -9485,7 +9494,7 @@
               </a:ln>
               <a:extLst>
                 <a:ext uri="{91240B29-F687-4f45-9708-019B960494DF}">
-                  <a14:hiddenLine xmlns:a14="http://schemas.microsoft.com/office/drawing/2010/main" xmlns="" w="9525">
+                  <a14:hiddenLine xmlns="" xmlns:a14="http://schemas.microsoft.com/office/drawing/2010/main" w="9525">
                     <a:solidFill>
                       <a:srgbClr val="000000"/>
                     </a:solidFill>
@@ -9547,7 +9556,7 @@
               </a:ln>
               <a:extLst>
                 <a:ext uri="{91240B29-F687-4f45-9708-019B960494DF}">
-                  <a14:hiddenLine xmlns:a14="http://schemas.microsoft.com/office/drawing/2010/main" xmlns="" w="9525">
+                  <a14:hiddenLine xmlns="" xmlns:a14="http://schemas.microsoft.com/office/drawing/2010/main" w="9525">
                     <a:solidFill>
                       <a:srgbClr val="000000"/>
                     </a:solidFill>
@@ -9609,7 +9618,7 @@
               </a:ln>
               <a:extLst>
                 <a:ext uri="{91240B29-F687-4f45-9708-019B960494DF}">
-                  <a14:hiddenLine xmlns:a14="http://schemas.microsoft.com/office/drawing/2010/main" xmlns="" w="9525">
+                  <a14:hiddenLine xmlns="" xmlns:a14="http://schemas.microsoft.com/office/drawing/2010/main" w="9525">
                     <a:solidFill>
                       <a:srgbClr val="000000"/>
                     </a:solidFill>
@@ -9699,7 +9708,7 @@
               </a:ln>
               <a:extLst>
                 <a:ext uri="{91240B29-F687-4f45-9708-019B960494DF}">
-                  <a14:hiddenLine xmlns:a14="http://schemas.microsoft.com/office/drawing/2010/main" xmlns="" w="9525">
+                  <a14:hiddenLine xmlns="" xmlns:a14="http://schemas.microsoft.com/office/drawing/2010/main" w="9525">
                     <a:solidFill>
                       <a:srgbClr val="000000"/>
                     </a:solidFill>
@@ -9789,7 +9798,7 @@
               </a:ln>
               <a:extLst>
                 <a:ext uri="{91240B29-F687-4f45-9708-019B960494DF}">
-                  <a14:hiddenLine xmlns:a14="http://schemas.microsoft.com/office/drawing/2010/main" xmlns="" w="9525">
+                  <a14:hiddenLine xmlns="" xmlns:a14="http://schemas.microsoft.com/office/drawing/2010/main" w="9525">
                     <a:solidFill>
                       <a:srgbClr val="000000"/>
                     </a:solidFill>
@@ -9851,7 +9860,7 @@
               </a:ln>
               <a:extLst>
                 <a:ext uri="{91240B29-F687-4f45-9708-019B960494DF}">
-                  <a14:hiddenLine xmlns:a14="http://schemas.microsoft.com/office/drawing/2010/main" xmlns="" w="9525">
+                  <a14:hiddenLine xmlns="" xmlns:a14="http://schemas.microsoft.com/office/drawing/2010/main" w="9525">
                     <a:solidFill>
                       <a:srgbClr val="000000"/>
                     </a:solidFill>
@@ -9961,7 +9970,7 @@
               </a:ln>
               <a:extLst>
                 <a:ext uri="{91240B29-F687-4f45-9708-019B960494DF}">
-                  <a14:hiddenLine xmlns:a14="http://schemas.microsoft.com/office/drawing/2010/main" xmlns="" w="9525">
+                  <a14:hiddenLine xmlns="" xmlns:a14="http://schemas.microsoft.com/office/drawing/2010/main" w="9525">
                     <a:solidFill>
                       <a:srgbClr val="000000"/>
                     </a:solidFill>
@@ -10045,7 +10054,7 @@
               </a:ln>
               <a:extLst>
                 <a:ext uri="{91240B29-F687-4f45-9708-019B960494DF}">
-                  <a14:hiddenLine xmlns:a14="http://schemas.microsoft.com/office/drawing/2010/main" xmlns="" w="9525">
+                  <a14:hiddenLine xmlns="" xmlns:a14="http://schemas.microsoft.com/office/drawing/2010/main" w="9525">
                     <a:solidFill>
                       <a:srgbClr val="000000"/>
                     </a:solidFill>
@@ -10107,7 +10116,7 @@
               </a:ln>
               <a:extLst>
                 <a:ext uri="{91240B29-F687-4f45-9708-019B960494DF}">
-                  <a14:hiddenLine xmlns:a14="http://schemas.microsoft.com/office/drawing/2010/main" xmlns="" w="9525">
+                  <a14:hiddenLine xmlns="" xmlns:a14="http://schemas.microsoft.com/office/drawing/2010/main" w="9525">
                     <a:solidFill>
                       <a:srgbClr val="000000"/>
                     </a:solidFill>
@@ -10169,7 +10178,7 @@
               </a:ln>
               <a:extLst>
                 <a:ext uri="{91240B29-F687-4f45-9708-019B960494DF}">
-                  <a14:hiddenLine xmlns:a14="http://schemas.microsoft.com/office/drawing/2010/main" xmlns="" w="9525">
+                  <a14:hiddenLine xmlns="" xmlns:a14="http://schemas.microsoft.com/office/drawing/2010/main" w="9525">
                     <a:solidFill>
                       <a:srgbClr val="000000"/>
                     </a:solidFill>
@@ -10259,7 +10268,7 @@
               </a:ln>
               <a:extLst>
                 <a:ext uri="{91240B29-F687-4f45-9708-019B960494DF}">
-                  <a14:hiddenLine xmlns:a14="http://schemas.microsoft.com/office/drawing/2010/main" xmlns="" w="9525">
+                  <a14:hiddenLine xmlns="" xmlns:a14="http://schemas.microsoft.com/office/drawing/2010/main" w="9525">
                     <a:solidFill>
                       <a:srgbClr val="000000"/>
                     </a:solidFill>
@@ -10293,7 +10302,7 @@
               </a:ln>
               <a:extLst>
                 <a:ext uri="{91240B29-F687-4f45-9708-019B960494DF}">
-                  <a14:hiddenLine xmlns:a14="http://schemas.microsoft.com/office/drawing/2010/main" xmlns="" w="9525">
+                  <a14:hiddenLine xmlns="" xmlns:a14="http://schemas.microsoft.com/office/drawing/2010/main" w="9525">
                     <a:solidFill>
                       <a:srgbClr val="000000"/>
                     </a:solidFill>
@@ -10358,7 +10367,7 @@
               </a:ln>
               <a:extLst>
                 <a:ext uri="{91240B29-F687-4f45-9708-019B960494DF}">
-                  <a14:hiddenLine xmlns:a14="http://schemas.microsoft.com/office/drawing/2010/main" xmlns="" w="9525">
+                  <a14:hiddenLine xmlns="" xmlns:a14="http://schemas.microsoft.com/office/drawing/2010/main" w="9525">
                     <a:solidFill>
                       <a:srgbClr val="000000"/>
                     </a:solidFill>
@@ -10448,7 +10457,7 @@
               </a:ln>
               <a:extLst>
                 <a:ext uri="{91240B29-F687-4f45-9708-019B960494DF}">
-                  <a14:hiddenLine xmlns:a14="http://schemas.microsoft.com/office/drawing/2010/main" xmlns="" w="9525">
+                  <a14:hiddenLine xmlns="" xmlns:a14="http://schemas.microsoft.com/office/drawing/2010/main" w="9525">
                     <a:solidFill>
                       <a:srgbClr val="000000"/>
                     </a:solidFill>
@@ -10510,7 +10519,7 @@
               </a:ln>
               <a:extLst>
                 <a:ext uri="{91240B29-F687-4f45-9708-019B960494DF}">
-                  <a14:hiddenLine xmlns:a14="http://schemas.microsoft.com/office/drawing/2010/main" xmlns="" w="9525">
+                  <a14:hiddenLine xmlns="" xmlns:a14="http://schemas.microsoft.com/office/drawing/2010/main" w="9525">
                     <a:solidFill>
                       <a:srgbClr val="000000"/>
                     </a:solidFill>
@@ -10600,7 +10609,7 @@
               </a:ln>
               <a:extLst>
                 <a:ext uri="{91240B29-F687-4f45-9708-019B960494DF}">
-                  <a14:hiddenLine xmlns:a14="http://schemas.microsoft.com/office/drawing/2010/main" xmlns="" w="9525">
+                  <a14:hiddenLine xmlns="" xmlns:a14="http://schemas.microsoft.com/office/drawing/2010/main" w="9525">
                     <a:solidFill>
                       <a:srgbClr val="000000"/>
                     </a:solidFill>
@@ -10665,7 +10674,7 @@
               </a:ln>
               <a:extLst>
                 <a:ext uri="{91240B29-F687-4f45-9708-019B960494DF}">
-                  <a14:hiddenLine xmlns:a14="http://schemas.microsoft.com/office/drawing/2010/main" xmlns="" w="9525">
+                  <a14:hiddenLine xmlns="" xmlns:a14="http://schemas.microsoft.com/office/drawing/2010/main" w="9525">
                     <a:solidFill>
                       <a:srgbClr val="000000"/>
                     </a:solidFill>
@@ -10727,7 +10736,7 @@
               </a:ln>
               <a:extLst>
                 <a:ext uri="{91240B29-F687-4f45-9708-019B960494DF}">
-                  <a14:hiddenLine xmlns:a14="http://schemas.microsoft.com/office/drawing/2010/main" xmlns="" w="9525">
+                  <a14:hiddenLine xmlns="" xmlns:a14="http://schemas.microsoft.com/office/drawing/2010/main" w="9525">
                     <a:solidFill>
                       <a:srgbClr val="000000"/>
                     </a:solidFill>
@@ -10817,7 +10826,7 @@
               </a:ln>
               <a:extLst>
                 <a:ext uri="{91240B29-F687-4f45-9708-019B960494DF}">
-                  <a14:hiddenLine xmlns:a14="http://schemas.microsoft.com/office/drawing/2010/main" xmlns="" w="9525">
+                  <a14:hiddenLine xmlns="" xmlns:a14="http://schemas.microsoft.com/office/drawing/2010/main" w="9525">
                     <a:solidFill>
                       <a:srgbClr val="000000"/>
                     </a:solidFill>
@@ -10907,7 +10916,7 @@
               </a:ln>
               <a:extLst>
                 <a:ext uri="{91240B29-F687-4f45-9708-019B960494DF}">
-                  <a14:hiddenLine xmlns:a14="http://schemas.microsoft.com/office/drawing/2010/main" xmlns="" w="9525">
+                  <a14:hiddenLine xmlns="" xmlns:a14="http://schemas.microsoft.com/office/drawing/2010/main" w="9525">
                     <a:solidFill>
                       <a:srgbClr val="000000"/>
                     </a:solidFill>
@@ -10972,7 +10981,7 @@
               </a:ln>
               <a:extLst>
                 <a:ext uri="{91240B29-F687-4f45-9708-019B960494DF}">
-                  <a14:hiddenLine xmlns:a14="http://schemas.microsoft.com/office/drawing/2010/main" xmlns="" w="9525">
+                  <a14:hiddenLine xmlns="" xmlns:a14="http://schemas.microsoft.com/office/drawing/2010/main" w="9525">
                     <a:solidFill>
                       <a:srgbClr val="000000"/>
                     </a:solidFill>
@@ -11092,7 +11101,7 @@
               </a:ln>
               <a:extLst>
                 <a:ext uri="{91240B29-F687-4f45-9708-019B960494DF}">
-                  <a14:hiddenLine xmlns:a14="http://schemas.microsoft.com/office/drawing/2010/main" xmlns="" w="9525">
+                  <a14:hiddenLine xmlns="" xmlns:a14="http://schemas.microsoft.com/office/drawing/2010/main" w="9525">
                     <a:solidFill>
                       <a:srgbClr val="000000"/>
                     </a:solidFill>
@@ -11173,7 +11182,7 @@
               </a:ln>
               <a:extLst>
                 <a:ext uri="{91240B29-F687-4f45-9708-019B960494DF}">
-                  <a14:hiddenLine xmlns:a14="http://schemas.microsoft.com/office/drawing/2010/main" xmlns="" w="9525">
+                  <a14:hiddenLine xmlns="" xmlns:a14="http://schemas.microsoft.com/office/drawing/2010/main" w="9525">
                     <a:solidFill>
                       <a:srgbClr val="000000"/>
                     </a:solidFill>
@@ -11288,7 +11297,7 @@
               </a:ln>
               <a:extLst>
                 <a:ext uri="{91240B29-F687-4f45-9708-019B960494DF}">
-                  <a14:hiddenLine xmlns:a14="http://schemas.microsoft.com/office/drawing/2010/main" xmlns="" w="9525">
+                  <a14:hiddenLine xmlns="" xmlns:a14="http://schemas.microsoft.com/office/drawing/2010/main" w="9525">
                     <a:solidFill>
                       <a:srgbClr val="000000"/>
                     </a:solidFill>
@@ -11378,7 +11387,7 @@
               </a:ln>
               <a:extLst>
                 <a:ext uri="{91240B29-F687-4f45-9708-019B960494DF}">
-                  <a14:hiddenLine xmlns:a14="http://schemas.microsoft.com/office/drawing/2010/main" xmlns="" w="9525">
+                  <a14:hiddenLine xmlns="" xmlns:a14="http://schemas.microsoft.com/office/drawing/2010/main" w="9525">
                     <a:solidFill>
                       <a:srgbClr val="000000"/>
                     </a:solidFill>
@@ -11443,7 +11452,7 @@
               </a:ln>
               <a:extLst>
                 <a:ext uri="{91240B29-F687-4f45-9708-019B960494DF}">
-                  <a14:hiddenLine xmlns:a14="http://schemas.microsoft.com/office/drawing/2010/main" xmlns="" w="9525">
+                  <a14:hiddenLine xmlns="" xmlns:a14="http://schemas.microsoft.com/office/drawing/2010/main" w="9525">
                     <a:solidFill>
                       <a:srgbClr val="000000"/>
                     </a:solidFill>
@@ -11533,7 +11542,7 @@
               </a:ln>
               <a:extLst>
                 <a:ext uri="{91240B29-F687-4f45-9708-019B960494DF}">
-                  <a14:hiddenLine xmlns:a14="http://schemas.microsoft.com/office/drawing/2010/main" xmlns="" w="9525">
+                  <a14:hiddenLine xmlns="" xmlns:a14="http://schemas.microsoft.com/office/drawing/2010/main" w="9525">
                     <a:solidFill>
                       <a:srgbClr val="000000"/>
                     </a:solidFill>
@@ -11601,7 +11610,7 @@
               </a:ln>
               <a:extLst>
                 <a:ext uri="{91240B29-F687-4f45-9708-019B960494DF}">
-                  <a14:hiddenLine xmlns:a14="http://schemas.microsoft.com/office/drawing/2010/main" xmlns="" w="9525">
+                  <a14:hiddenLine xmlns="" xmlns:a14="http://schemas.microsoft.com/office/drawing/2010/main" w="9525">
                     <a:solidFill>
                       <a:srgbClr val="000000"/>
                     </a:solidFill>
@@ -11691,7 +11700,7 @@
               </a:ln>
               <a:extLst>
                 <a:ext uri="{91240B29-F687-4f45-9708-019B960494DF}">
-                  <a14:hiddenLine xmlns:a14="http://schemas.microsoft.com/office/drawing/2010/main" xmlns="" w="9525">
+                  <a14:hiddenLine xmlns="" xmlns:a14="http://schemas.microsoft.com/office/drawing/2010/main" w="9525">
                     <a:solidFill>
                       <a:srgbClr val="000000"/>
                     </a:solidFill>
@@ -11759,7 +11768,7 @@
               </a:ln>
               <a:extLst>
                 <a:ext uri="{91240B29-F687-4f45-9708-019B960494DF}">
-                  <a14:hiddenLine xmlns:a14="http://schemas.microsoft.com/office/drawing/2010/main" xmlns="" w="9525">
+                  <a14:hiddenLine xmlns="" xmlns:a14="http://schemas.microsoft.com/office/drawing/2010/main" w="9525">
                     <a:solidFill>
                       <a:srgbClr val="000000"/>
                     </a:solidFill>
@@ -11849,7 +11858,7 @@
               </a:ln>
               <a:extLst>
                 <a:ext uri="{91240B29-F687-4f45-9708-019B960494DF}">
-                  <a14:hiddenLine xmlns:a14="http://schemas.microsoft.com/office/drawing/2010/main" xmlns="" w="9525">
+                  <a14:hiddenLine xmlns="" xmlns:a14="http://schemas.microsoft.com/office/drawing/2010/main" w="9525">
                     <a:solidFill>
                       <a:srgbClr val="000000"/>
                     </a:solidFill>
@@ -11883,7 +11892,7 @@
               </a:ln>
               <a:extLst>
                 <a:ext uri="{91240B29-F687-4f45-9708-019B960494DF}">
-                  <a14:hiddenLine xmlns:a14="http://schemas.microsoft.com/office/drawing/2010/main" xmlns="" w="9525">
+                  <a14:hiddenLine xmlns="" xmlns:a14="http://schemas.microsoft.com/office/drawing/2010/main" w="9525">
                     <a:solidFill>
                       <a:srgbClr val="000000"/>
                     </a:solidFill>
@@ -12644,6 +12653,763 @@
                 <a:latin typeface="Sarabun" panose="00000500000000000000" pitchFamily="2" charset="-34"/>
                 <a:cs typeface="Sarabun" panose="00000500000000000000" pitchFamily="2" charset="-34"/>
               </a:rPr>
+              <a:t>4) อนุมัติการลา</a:t>
+            </a:r>
+            <a:endParaRPr lang="en-US" dirty="0">
+              <a:latin typeface="Sarabun" panose="00000500000000000000" pitchFamily="2" charset="-34"/>
+              <a:cs typeface="Sarabun" panose="00000500000000000000" pitchFamily="2" charset="-34"/>
+            </a:endParaRPr>
+          </a:p>
+          <a:p>
+            <a:pPr marL="0" indent="0">
+              <a:buNone/>
+            </a:pPr>
+            <a:r>
+              <a:rPr lang="en-US" dirty="0">
+                <a:latin typeface="Sarabun" panose="00000500000000000000" pitchFamily="2" charset="-34"/>
+                <a:cs typeface="Sarabun" panose="00000500000000000000" pitchFamily="2" charset="-34"/>
+              </a:rPr>
+              <a:t>	• </a:t>
+            </a:r>
+            <a:r>
+              <a:rPr lang="th-TH" dirty="0">
+                <a:latin typeface="Sarabun" panose="00000500000000000000" pitchFamily="2" charset="-34"/>
+                <a:cs typeface="Sarabun" panose="00000500000000000000" pitchFamily="2" charset="-34"/>
+              </a:rPr>
+              <a:t>เลือกอนุมัติขอลางานจากผู้ใช้ที่อยู่ในการดูแล โดยดูจาก เอกสาร และ</a:t>
+            </a:r>
+            <a:r>
+              <a:rPr lang="en-US" dirty="0">
+                <a:latin typeface="Sarabun" panose="00000500000000000000" pitchFamily="2" charset="-34"/>
+                <a:cs typeface="Sarabun" panose="00000500000000000000" pitchFamily="2" charset="-34"/>
+              </a:rPr>
+              <a:t>	   </a:t>
+            </a:r>
+            <a:r>
+              <a:rPr lang="th-TH" dirty="0">
+                <a:latin typeface="Sarabun" panose="00000500000000000000" pitchFamily="2" charset="-34"/>
+                <a:cs typeface="Sarabun" panose="00000500000000000000" pitchFamily="2" charset="-34"/>
+              </a:rPr>
+              <a:t>หมาย เหตุของการลานั้น</a:t>
+            </a:r>
+            <a:endParaRPr lang="en-US" dirty="0">
+              <a:latin typeface="Sarabun" panose="00000500000000000000" pitchFamily="2" charset="-34"/>
+              <a:cs typeface="Sarabun" panose="00000500000000000000" pitchFamily="2" charset="-34"/>
+            </a:endParaRPr>
+          </a:p>
+          <a:p>
+            <a:pPr marL="0" indent="0">
+              <a:buNone/>
+            </a:pPr>
+            <a:r>
+              <a:rPr lang="en-US" dirty="0">
+                <a:latin typeface="Sarabun" panose="00000500000000000000" pitchFamily="2" charset="-34"/>
+                <a:cs typeface="Sarabun" panose="00000500000000000000" pitchFamily="2" charset="-34"/>
+              </a:rPr>
+              <a:t>	• </a:t>
+            </a:r>
+            <a:r>
+              <a:rPr lang="th-TH" dirty="0">
+                <a:latin typeface="Sarabun" panose="00000500000000000000" pitchFamily="2" charset="-34"/>
+                <a:cs typeface="Sarabun" panose="00000500000000000000" pitchFamily="2" charset="-34"/>
+              </a:rPr>
+              <a:t>เลือกไม่อนุมัติ พร้อมหมายเหตุเพื่อบอกถึงเหตุผล</a:t>
+            </a:r>
+            <a:endParaRPr lang="en-US" dirty="0">
+              <a:latin typeface="Sarabun" panose="00000500000000000000" pitchFamily="2" charset="-34"/>
+              <a:cs typeface="Sarabun" panose="00000500000000000000" pitchFamily="2" charset="-34"/>
+            </a:endParaRPr>
+          </a:p>
+          <a:p>
+            <a:pPr marL="0" indent="0">
+              <a:buNone/>
+            </a:pPr>
+            <a:r>
+              <a:rPr lang="en-US" dirty="0">
+                <a:latin typeface="Sarabun" panose="00000500000000000000" pitchFamily="2" charset="-34"/>
+                <a:cs typeface="Sarabun" panose="00000500000000000000" pitchFamily="2" charset="-34"/>
+              </a:rPr>
+              <a:t>	• </a:t>
+            </a:r>
+            <a:r>
+              <a:rPr lang="th-TH" dirty="0">
+                <a:latin typeface="Sarabun" panose="00000500000000000000" pitchFamily="2" charset="-34"/>
+                <a:cs typeface="Sarabun" panose="00000500000000000000" pitchFamily="2" charset="-34"/>
+              </a:rPr>
+              <a:t>ลาป่วย เกิน 2 วัน และหากติดวันจันทร์หรือวันศุกร์ต้องครวจสอบ</a:t>
+            </a:r>
+            <a:r>
+              <a:rPr lang="en-US" dirty="0">
+                <a:latin typeface="Sarabun" panose="00000500000000000000" pitchFamily="2" charset="-34"/>
+                <a:cs typeface="Sarabun" panose="00000500000000000000" pitchFamily="2" charset="-34"/>
+              </a:rPr>
+              <a:t>		   </a:t>
+            </a:r>
+            <a:r>
+              <a:rPr lang="th-TH" dirty="0">
+                <a:latin typeface="Sarabun" panose="00000500000000000000" pitchFamily="2" charset="-34"/>
+                <a:cs typeface="Sarabun" panose="00000500000000000000" pitchFamily="2" charset="-34"/>
+              </a:rPr>
+              <a:t>ใบรับรอง แพทย์และหมายเหตุ</a:t>
+            </a:r>
+            <a:endParaRPr lang="en-US" dirty="0">
+              <a:latin typeface="Sarabun" panose="00000500000000000000" pitchFamily="2" charset="-34"/>
+              <a:cs typeface="Sarabun" panose="00000500000000000000" pitchFamily="2" charset="-34"/>
+            </a:endParaRPr>
+          </a:p>
+        </p:txBody>
+      </p:sp>
+    </p:spTree>
+    <p:extLst>
+      <p:ext uri="{BB962C8B-B14F-4D97-AF65-F5344CB8AC3E}">
+        <p14:creationId xmlns:p14="http://schemas.microsoft.com/office/powerpoint/2010/main" val="3934010467"/>
+      </p:ext>
+    </p:extLst>
+  </p:cSld>
+  <p:clrMapOvr>
+    <a:masterClrMapping/>
+  </p:clrMapOvr>
+</p:sld>
+</file>
+
+<file path=ppt/slides/slide11.xml><?xml version="1.0" encoding="utf-8"?>
+<p:sld xmlns:a="http://schemas.openxmlformats.org/drawingml/2006/main" xmlns:r="http://schemas.openxmlformats.org/officeDocument/2006/relationships" xmlns:p="http://schemas.openxmlformats.org/presentationml/2006/main">
+  <p:cSld>
+    <p:spTree>
+      <p:nvGrpSpPr>
+        <p:cNvPr id="1" name=""/>
+        <p:cNvGrpSpPr/>
+        <p:nvPr/>
+      </p:nvGrpSpPr>
+      <p:grpSpPr>
+        <a:xfrm>
+          <a:off x="0" y="0"/>
+          <a:ext cx="0" cy="0"/>
+          <a:chOff x="0" y="0"/>
+          <a:chExt cx="0" cy="0"/>
+        </a:xfrm>
+      </p:grpSpPr>
+      <p:sp>
+        <p:nvSpPr>
+          <p:cNvPr id="2" name="Title 1">
+            <a:extLst>
+              <a:ext uri="{FF2B5EF4-FFF2-40B4-BE49-F238E27FC236}">
+                <a16:creationId xmlns:a16="http://schemas.microsoft.com/office/drawing/2014/main" id="{0F50B6C8-DCFB-4F41-908B-9099157A0F6E}"/>
+              </a:ext>
+            </a:extLst>
+          </p:cNvPr>
+          <p:cNvSpPr>
+            <a:spLocks noGrp="1"/>
+          </p:cNvSpPr>
+          <p:nvPr>
+            <p:ph type="title"/>
+          </p:nvPr>
+        </p:nvSpPr>
+        <p:spPr/>
+        <p:txBody>
+          <a:bodyPr/>
+          <a:lstStyle/>
+          <a:p>
+            <a:r>
+              <a:rPr lang="th-TH" b="1" dirty="0">
+                <a:latin typeface="Sarabun" panose="00000500000000000000" pitchFamily="2" charset="-34"/>
+                <a:cs typeface="Sarabun" panose="00000500000000000000" pitchFamily="2" charset="-34"/>
+              </a:rPr>
+              <a:t>ความสามารถของระบบ</a:t>
+            </a:r>
+            <a:r>
+              <a:rPr lang="en-US" b="1" dirty="0">
+                <a:latin typeface="Sarabun" panose="00000500000000000000" pitchFamily="2" charset="-34"/>
+                <a:cs typeface="Sarabun" panose="00000500000000000000" pitchFamily="2" charset="-34"/>
+              </a:rPr>
+              <a:t> (</a:t>
+            </a:r>
+            <a:r>
+              <a:rPr lang="th-TH" b="1" dirty="0">
+                <a:latin typeface="Sarabun" panose="00000500000000000000" pitchFamily="2" charset="-34"/>
+                <a:cs typeface="Sarabun" panose="00000500000000000000" pitchFamily="2" charset="-34"/>
+              </a:rPr>
+              <a:t>ต่อ</a:t>
+            </a:r>
+            <a:r>
+              <a:rPr lang="en-US" b="1" dirty="0">
+                <a:latin typeface="Sarabun" panose="00000500000000000000" pitchFamily="2" charset="-34"/>
+                <a:cs typeface="Sarabun" panose="00000500000000000000" pitchFamily="2" charset="-34"/>
+              </a:rPr>
+              <a:t>)</a:t>
+            </a:r>
+          </a:p>
+        </p:txBody>
+      </p:sp>
+      <p:sp>
+        <p:nvSpPr>
+          <p:cNvPr id="3" name="Content Placeholder 2">
+            <a:extLst>
+              <a:ext uri="{FF2B5EF4-FFF2-40B4-BE49-F238E27FC236}">
+                <a16:creationId xmlns:a16="http://schemas.microsoft.com/office/drawing/2014/main" id="{5AF2BBD3-0120-4E7A-9295-9FA3D3068B1A}"/>
+              </a:ext>
+            </a:extLst>
+          </p:cNvPr>
+          <p:cNvSpPr>
+            <a:spLocks noGrp="1"/>
+          </p:cNvSpPr>
+          <p:nvPr>
+            <p:ph idx="1"/>
+          </p:nvPr>
+        </p:nvSpPr>
+        <p:spPr/>
+        <p:txBody>
+          <a:bodyPr>
+            <a:normAutofit/>
+          </a:bodyPr>
+          <a:lstStyle/>
+          <a:p>
+            <a:pPr marL="0" indent="0">
+              <a:buNone/>
+            </a:pPr>
+            <a:r>
+              <a:rPr lang="th-TH" dirty="0">
+                <a:latin typeface="Sarabun" panose="00000500000000000000" pitchFamily="2" charset="-34"/>
+                <a:cs typeface="Sarabun" panose="00000500000000000000" pitchFamily="2" charset="-34"/>
+              </a:rPr>
+              <a:t>5) อัปโหลด</a:t>
+            </a:r>
+            <a:endParaRPr lang="en-US" dirty="0">
+              <a:latin typeface="Sarabun" panose="00000500000000000000" pitchFamily="2" charset="-34"/>
+              <a:cs typeface="Sarabun" panose="00000500000000000000" pitchFamily="2" charset="-34"/>
+            </a:endParaRPr>
+          </a:p>
+          <a:p>
+            <a:pPr marL="0" indent="0">
+              <a:buNone/>
+            </a:pPr>
+            <a:r>
+              <a:rPr lang="en-US" dirty="0">
+                <a:latin typeface="Sarabun" panose="00000500000000000000" pitchFamily="2" charset="-34"/>
+                <a:cs typeface="Sarabun" panose="00000500000000000000" pitchFamily="2" charset="-34"/>
+              </a:rPr>
+              <a:t>	• </a:t>
+            </a:r>
+            <a:r>
+              <a:rPr lang="th-TH" dirty="0">
+                <a:latin typeface="Sarabun" panose="00000500000000000000" pitchFamily="2" charset="-34"/>
+                <a:cs typeface="Sarabun" panose="00000500000000000000" pitchFamily="2" charset="-34"/>
+              </a:rPr>
+              <a:t>อัปโหลดไฟล์ หรือใบรับรองแพทย์เพื่อประกอบการลาได้</a:t>
+            </a:r>
+            <a:endParaRPr lang="en-US" dirty="0">
+              <a:latin typeface="Sarabun" panose="00000500000000000000" pitchFamily="2" charset="-34"/>
+              <a:cs typeface="Sarabun" panose="00000500000000000000" pitchFamily="2" charset="-34"/>
+            </a:endParaRPr>
+          </a:p>
+          <a:p>
+            <a:pPr marL="0" indent="0">
+              <a:buNone/>
+            </a:pPr>
+            <a:r>
+              <a:rPr lang="en-US" dirty="0">
+                <a:latin typeface="Sarabun" panose="00000500000000000000" pitchFamily="2" charset="-34"/>
+                <a:cs typeface="Sarabun" panose="00000500000000000000" pitchFamily="2" charset="-34"/>
+              </a:rPr>
+              <a:t>	• </a:t>
+            </a:r>
+            <a:r>
+              <a:rPr lang="th-TH" dirty="0">
+                <a:latin typeface="Sarabun" panose="00000500000000000000" pitchFamily="2" charset="-34"/>
+                <a:cs typeface="Sarabun" panose="00000500000000000000" pitchFamily="2" charset="-34"/>
+              </a:rPr>
+              <a:t>ประเภทไฟล์ที่สามารถอัปโหลดได้ต้องเป็น </a:t>
+            </a:r>
+            <a:r>
+              <a:rPr lang="en-US" dirty="0">
+                <a:latin typeface="Sarabun" panose="00000500000000000000" pitchFamily="2" charset="-34"/>
+                <a:cs typeface="Sarabun" panose="00000500000000000000" pitchFamily="2" charset="-34"/>
+              </a:rPr>
+              <a:t>png jpg </a:t>
+            </a:r>
+            <a:r>
+              <a:rPr lang="th-TH" dirty="0">
+                <a:latin typeface="Sarabun" panose="00000500000000000000" pitchFamily="2" charset="-34"/>
+                <a:cs typeface="Sarabun" panose="00000500000000000000" pitchFamily="2" charset="-34"/>
+              </a:rPr>
+              <a:t>หรือ </a:t>
+            </a:r>
+            <a:r>
+              <a:rPr lang="en-US" dirty="0">
+                <a:latin typeface="Sarabun" panose="00000500000000000000" pitchFamily="2" charset="-34"/>
+                <a:cs typeface="Sarabun" panose="00000500000000000000" pitchFamily="2" charset="-34"/>
+              </a:rPr>
+              <a:t>pdf </a:t>
+            </a:r>
+            <a:r>
+              <a:rPr lang="th-TH" dirty="0">
+                <a:latin typeface="Sarabun" panose="00000500000000000000" pitchFamily="2" charset="-34"/>
+                <a:cs typeface="Sarabun" panose="00000500000000000000" pitchFamily="2" charset="-34"/>
+              </a:rPr>
+              <a:t>ขนาดไม่</a:t>
+            </a:r>
+            <a:r>
+              <a:rPr lang="en-US" dirty="0">
+                <a:latin typeface="Sarabun" panose="00000500000000000000" pitchFamily="2" charset="-34"/>
+                <a:cs typeface="Sarabun" panose="00000500000000000000" pitchFamily="2" charset="-34"/>
+              </a:rPr>
+              <a:t>	   </a:t>
+            </a:r>
+            <a:r>
+              <a:rPr lang="th-TH" dirty="0">
+                <a:latin typeface="Sarabun" panose="00000500000000000000" pitchFamily="2" charset="-34"/>
+                <a:cs typeface="Sarabun" panose="00000500000000000000" pitchFamily="2" charset="-34"/>
+              </a:rPr>
+              <a:t>เกิน 10</a:t>
+            </a:r>
+            <a:r>
+              <a:rPr lang="en-US" dirty="0">
+                <a:latin typeface="Sarabun" panose="00000500000000000000" pitchFamily="2" charset="-34"/>
+                <a:cs typeface="Sarabun" panose="00000500000000000000" pitchFamily="2" charset="-34"/>
+              </a:rPr>
+              <a:t>Mb</a:t>
+            </a:r>
+          </a:p>
+        </p:txBody>
+      </p:sp>
+    </p:spTree>
+    <p:extLst>
+      <p:ext uri="{BB962C8B-B14F-4D97-AF65-F5344CB8AC3E}">
+        <p14:creationId xmlns:p14="http://schemas.microsoft.com/office/powerpoint/2010/main" val="1731320417"/>
+      </p:ext>
+    </p:extLst>
+  </p:cSld>
+  <p:clrMapOvr>
+    <a:masterClrMapping/>
+  </p:clrMapOvr>
+</p:sld>
+</file>
+
+<file path=ppt/slides/slide12.xml><?xml version="1.0" encoding="utf-8"?>
+<p:sld xmlns:a="http://schemas.openxmlformats.org/drawingml/2006/main" xmlns:r="http://schemas.openxmlformats.org/officeDocument/2006/relationships" xmlns:p="http://schemas.openxmlformats.org/presentationml/2006/main">
+  <p:cSld>
+    <p:spTree>
+      <p:nvGrpSpPr>
+        <p:cNvPr id="1" name=""/>
+        <p:cNvGrpSpPr/>
+        <p:nvPr/>
+      </p:nvGrpSpPr>
+      <p:grpSpPr>
+        <a:xfrm>
+          <a:off x="0" y="0"/>
+          <a:ext cx="0" cy="0"/>
+          <a:chOff x="0" y="0"/>
+          <a:chExt cx="0" cy="0"/>
+        </a:xfrm>
+      </p:grpSpPr>
+      <p:sp>
+        <p:nvSpPr>
+          <p:cNvPr id="2" name="Title 1">
+            <a:extLst>
+              <a:ext uri="{FF2B5EF4-FFF2-40B4-BE49-F238E27FC236}">
+                <a16:creationId xmlns:a16="http://schemas.microsoft.com/office/drawing/2014/main" id="{0F50B6C8-DCFB-4F41-908B-9099157A0F6E}"/>
+              </a:ext>
+            </a:extLst>
+          </p:cNvPr>
+          <p:cNvSpPr>
+            <a:spLocks noGrp="1"/>
+          </p:cNvSpPr>
+          <p:nvPr>
+            <p:ph type="title"/>
+          </p:nvPr>
+        </p:nvSpPr>
+        <p:spPr/>
+        <p:txBody>
+          <a:bodyPr/>
+          <a:lstStyle/>
+          <a:p>
+            <a:r>
+              <a:rPr lang="th-TH" b="1" dirty="0">
+                <a:latin typeface="Sarabun" panose="00000500000000000000" pitchFamily="2" charset="-34"/>
+                <a:cs typeface="Sarabun" panose="00000500000000000000" pitchFamily="2" charset="-34"/>
+              </a:rPr>
+              <a:t>ความสามารถของระบบ</a:t>
+            </a:r>
+            <a:r>
+              <a:rPr lang="en-US" b="1" dirty="0">
+                <a:latin typeface="Sarabun" panose="00000500000000000000" pitchFamily="2" charset="-34"/>
+                <a:cs typeface="Sarabun" panose="00000500000000000000" pitchFamily="2" charset="-34"/>
+              </a:rPr>
+              <a:t> (</a:t>
+            </a:r>
+            <a:r>
+              <a:rPr lang="th-TH" b="1" dirty="0">
+                <a:latin typeface="Sarabun" panose="00000500000000000000" pitchFamily="2" charset="-34"/>
+                <a:cs typeface="Sarabun" panose="00000500000000000000" pitchFamily="2" charset="-34"/>
+              </a:rPr>
+              <a:t>ต่อ</a:t>
+            </a:r>
+            <a:r>
+              <a:rPr lang="en-US" b="1" dirty="0">
+                <a:latin typeface="Sarabun" panose="00000500000000000000" pitchFamily="2" charset="-34"/>
+                <a:cs typeface="Sarabun" panose="00000500000000000000" pitchFamily="2" charset="-34"/>
+              </a:rPr>
+              <a:t>)</a:t>
+            </a:r>
+          </a:p>
+        </p:txBody>
+      </p:sp>
+      <p:sp>
+        <p:nvSpPr>
+          <p:cNvPr id="3" name="Content Placeholder 2">
+            <a:extLst>
+              <a:ext uri="{FF2B5EF4-FFF2-40B4-BE49-F238E27FC236}">
+                <a16:creationId xmlns:a16="http://schemas.microsoft.com/office/drawing/2014/main" id="{5AF2BBD3-0120-4E7A-9295-9FA3D3068B1A}"/>
+              </a:ext>
+            </a:extLst>
+          </p:cNvPr>
+          <p:cNvSpPr>
+            <a:spLocks noGrp="1"/>
+          </p:cNvSpPr>
+          <p:nvPr>
+            <p:ph idx="1"/>
+          </p:nvPr>
+        </p:nvSpPr>
+        <p:spPr/>
+        <p:txBody>
+          <a:bodyPr>
+            <a:normAutofit fontScale="85000" lnSpcReduction="20000"/>
+          </a:bodyPr>
+          <a:lstStyle/>
+          <a:p>
+            <a:pPr marL="0" indent="0">
+              <a:buNone/>
+            </a:pPr>
+            <a:r>
+              <a:rPr lang="th-TH" dirty="0">
+                <a:latin typeface="Sarabun" panose="00000500000000000000" pitchFamily="2" charset="-34"/>
+                <a:cs typeface="Sarabun" panose="00000500000000000000" pitchFamily="2" charset="-34"/>
+              </a:rPr>
+              <a:t>6) รายงาน</a:t>
+            </a:r>
+            <a:endParaRPr lang="en-US" dirty="0">
+              <a:latin typeface="Sarabun" panose="00000500000000000000" pitchFamily="2" charset="-34"/>
+              <a:cs typeface="Sarabun" panose="00000500000000000000" pitchFamily="2" charset="-34"/>
+            </a:endParaRPr>
+          </a:p>
+          <a:p>
+            <a:pPr marL="0" indent="0">
+              <a:buNone/>
+            </a:pPr>
+            <a:r>
+              <a:rPr lang="en-US" dirty="0">
+                <a:latin typeface="Sarabun" panose="00000500000000000000" pitchFamily="2" charset="-34"/>
+                <a:cs typeface="Sarabun" panose="00000500000000000000" pitchFamily="2" charset="-34"/>
+              </a:rPr>
+              <a:t>	• </a:t>
+            </a:r>
+            <a:r>
+              <a:rPr lang="th-TH" dirty="0">
+                <a:latin typeface="Sarabun" panose="00000500000000000000" pitchFamily="2" charset="-34"/>
+                <a:cs typeface="Sarabun" panose="00000500000000000000" pitchFamily="2" charset="-34"/>
+              </a:rPr>
+              <a:t>แสดงข้อมูลโดยสรุปของผู้ใช้โดยนับย้อนหลัง 1 เดือนเป็นค่าเริ่มต้น</a:t>
+            </a:r>
+            <a:endParaRPr lang="en-US" dirty="0">
+              <a:latin typeface="Sarabun" panose="00000500000000000000" pitchFamily="2" charset="-34"/>
+              <a:cs typeface="Sarabun" panose="00000500000000000000" pitchFamily="2" charset="-34"/>
+            </a:endParaRPr>
+          </a:p>
+          <a:p>
+            <a:pPr marL="0" indent="0">
+              <a:buNone/>
+            </a:pPr>
+            <a:r>
+              <a:rPr lang="en-US" dirty="0">
+                <a:latin typeface="Sarabun" panose="00000500000000000000" pitchFamily="2" charset="-34"/>
+                <a:cs typeface="Sarabun" panose="00000500000000000000" pitchFamily="2" charset="-34"/>
+              </a:rPr>
+              <a:t>	• </a:t>
+            </a:r>
+            <a:r>
+              <a:rPr lang="th-TH" dirty="0">
+                <a:latin typeface="Sarabun" panose="00000500000000000000" pitchFamily="2" charset="-34"/>
+                <a:cs typeface="Sarabun" panose="00000500000000000000" pitchFamily="2" charset="-34"/>
+              </a:rPr>
+              <a:t>แสดงรายงานแบบ วัน เดือน ปี</a:t>
+            </a:r>
+            <a:endParaRPr lang="en-US" dirty="0">
+              <a:latin typeface="Sarabun" panose="00000500000000000000" pitchFamily="2" charset="-34"/>
+              <a:cs typeface="Sarabun" panose="00000500000000000000" pitchFamily="2" charset="-34"/>
+            </a:endParaRPr>
+          </a:p>
+          <a:p>
+            <a:pPr marL="0" indent="0">
+              <a:buNone/>
+            </a:pPr>
+            <a:r>
+              <a:rPr lang="en-US" dirty="0">
+                <a:latin typeface="Sarabun" panose="00000500000000000000" pitchFamily="2" charset="-34"/>
+                <a:cs typeface="Sarabun" panose="00000500000000000000" pitchFamily="2" charset="-34"/>
+              </a:rPr>
+              <a:t>	• </a:t>
+            </a:r>
+            <a:r>
+              <a:rPr lang="th-TH" dirty="0">
+                <a:latin typeface="Sarabun" panose="00000500000000000000" pitchFamily="2" charset="-34"/>
+                <a:cs typeface="Sarabun" panose="00000500000000000000" pitchFamily="2" charset="-34"/>
+              </a:rPr>
+              <a:t>แสดงรายงานโดยระบุวัน เดือน ปี</a:t>
+            </a:r>
+            <a:endParaRPr lang="en-US" dirty="0">
+              <a:latin typeface="Sarabun" panose="00000500000000000000" pitchFamily="2" charset="-34"/>
+              <a:cs typeface="Sarabun" panose="00000500000000000000" pitchFamily="2" charset="-34"/>
+            </a:endParaRPr>
+          </a:p>
+          <a:p>
+            <a:pPr marL="0" indent="0">
+              <a:buNone/>
+            </a:pPr>
+            <a:r>
+              <a:rPr lang="en-US" dirty="0">
+                <a:latin typeface="Sarabun" panose="00000500000000000000" pitchFamily="2" charset="-34"/>
+                <a:cs typeface="Sarabun" panose="00000500000000000000" pitchFamily="2" charset="-34"/>
+              </a:rPr>
+              <a:t>	• </a:t>
+            </a:r>
+            <a:r>
+              <a:rPr lang="th-TH" dirty="0">
+                <a:latin typeface="Sarabun" panose="00000500000000000000" pitchFamily="2" charset="-34"/>
+                <a:cs typeface="Sarabun" panose="00000500000000000000" pitchFamily="2" charset="-34"/>
+              </a:rPr>
+              <a:t>แสดงรายงานโดยระบุผู้ใช้</a:t>
+            </a:r>
+            <a:endParaRPr lang="en-US" dirty="0">
+              <a:latin typeface="Sarabun" panose="00000500000000000000" pitchFamily="2" charset="-34"/>
+              <a:cs typeface="Sarabun" panose="00000500000000000000" pitchFamily="2" charset="-34"/>
+            </a:endParaRPr>
+          </a:p>
+          <a:p>
+            <a:pPr marL="0" indent="0">
+              <a:buNone/>
+            </a:pPr>
+            <a:r>
+              <a:rPr lang="en-US" dirty="0">
+                <a:latin typeface="Sarabun" panose="00000500000000000000" pitchFamily="2" charset="-34"/>
+                <a:cs typeface="Sarabun" panose="00000500000000000000" pitchFamily="2" charset="-34"/>
+              </a:rPr>
+              <a:t>	• </a:t>
+            </a:r>
+            <a:r>
+              <a:rPr lang="th-TH" dirty="0">
+                <a:latin typeface="Sarabun" panose="00000500000000000000" pitchFamily="2" charset="-34"/>
+                <a:cs typeface="Sarabun" panose="00000500000000000000" pitchFamily="2" charset="-34"/>
+              </a:rPr>
+              <a:t>แสดงรายงานโดยระบุระยะวัน เดือน ปี และผู้ใช้</a:t>
+            </a:r>
+            <a:endParaRPr lang="en-US" dirty="0">
+              <a:latin typeface="Sarabun" panose="00000500000000000000" pitchFamily="2" charset="-34"/>
+              <a:cs typeface="Sarabun" panose="00000500000000000000" pitchFamily="2" charset="-34"/>
+            </a:endParaRPr>
+          </a:p>
+          <a:p>
+            <a:pPr marL="0" indent="0">
+              <a:buNone/>
+            </a:pPr>
+            <a:r>
+              <a:rPr lang="en-US" dirty="0">
+                <a:latin typeface="Sarabun" panose="00000500000000000000" pitchFamily="2" charset="-34"/>
+                <a:cs typeface="Sarabun" panose="00000500000000000000" pitchFamily="2" charset="-34"/>
+              </a:rPr>
+              <a:t>	• </a:t>
+            </a:r>
+            <a:r>
+              <a:rPr lang="th-TH" dirty="0">
+                <a:latin typeface="Sarabun" panose="00000500000000000000" pitchFamily="2" charset="-34"/>
+                <a:cs typeface="Sarabun" panose="00000500000000000000" pitchFamily="2" charset="-34"/>
+              </a:rPr>
+              <a:t>แสดงประวัติการลาย้อนหลังได้</a:t>
+            </a:r>
+            <a:endParaRPr lang="en-US" dirty="0">
+              <a:latin typeface="Sarabun" panose="00000500000000000000" pitchFamily="2" charset="-34"/>
+              <a:cs typeface="Sarabun" panose="00000500000000000000" pitchFamily="2" charset="-34"/>
+            </a:endParaRPr>
+          </a:p>
+          <a:p>
+            <a:pPr marL="0" indent="0">
+              <a:buNone/>
+            </a:pPr>
+            <a:r>
+              <a:rPr lang="en-US" dirty="0">
+                <a:latin typeface="Sarabun" panose="00000500000000000000" pitchFamily="2" charset="-34"/>
+                <a:cs typeface="Sarabun" panose="00000500000000000000" pitchFamily="2" charset="-34"/>
+              </a:rPr>
+              <a:t>	• </a:t>
+            </a:r>
+            <a:r>
+              <a:rPr lang="th-TH" dirty="0">
+                <a:latin typeface="Sarabun" panose="00000500000000000000" pitchFamily="2" charset="-34"/>
+                <a:cs typeface="Sarabun" panose="00000500000000000000" pitchFamily="2" charset="-34"/>
+              </a:rPr>
+              <a:t>แสดงประวัติการอนุมัติย้อนหลังได้</a:t>
+            </a:r>
+            <a:endParaRPr lang="en-US" dirty="0">
+              <a:latin typeface="Sarabun" panose="00000500000000000000" pitchFamily="2" charset="-34"/>
+              <a:cs typeface="Sarabun" panose="00000500000000000000" pitchFamily="2" charset="-34"/>
+            </a:endParaRPr>
+          </a:p>
+        </p:txBody>
+      </p:sp>
+      <p:pic>
+        <p:nvPicPr>
+          <p:cNvPr id="5" name="Picture 4">
+            <a:extLst>
+              <a:ext uri="{FF2B5EF4-FFF2-40B4-BE49-F238E27FC236}">
+                <a16:creationId xmlns:a16="http://schemas.microsoft.com/office/drawing/2014/main" id="{FD964EBA-5866-4B13-B042-3B4B37EE76E8}"/>
+              </a:ext>
+            </a:extLst>
+          </p:cNvPr>
+          <p:cNvPicPr>
+            <a:picLocks noChangeAspect="1"/>
+          </p:cNvPicPr>
+          <p:nvPr/>
+        </p:nvPicPr>
+        <p:blipFill rotWithShape="1">
+          <a:blip r:embed="rId2">
+            <a:extLst>
+              <a:ext uri="{28A0092B-C50C-407E-A947-70E740481C1C}">
+                <a14:useLocalDpi xmlns:a14="http://schemas.microsoft.com/office/drawing/2010/main" val="0"/>
+              </a:ext>
+            </a:extLst>
+          </a:blip>
+          <a:srcRect b="6980"/>
+          <a:stretch/>
+        </p:blipFill>
+        <p:spPr>
+          <a:xfrm>
+            <a:off x="7887928" y="3500283"/>
+            <a:ext cx="2944762" cy="2739199"/>
+          </a:xfrm>
+          <a:prstGeom prst="rect">
+            <a:avLst/>
+          </a:prstGeom>
+          <a:effectLst>
+            <a:outerShdw blurRad="63500" sx="102000" sy="102000" algn="ctr" rotWithShape="0">
+              <a:prstClr val="black">
+                <a:alpha val="40000"/>
+              </a:prstClr>
+            </a:outerShdw>
+          </a:effectLst>
+        </p:spPr>
+      </p:pic>
+    </p:spTree>
+    <p:extLst>
+      <p:ext uri="{BB962C8B-B14F-4D97-AF65-F5344CB8AC3E}">
+        <p14:creationId xmlns:p14="http://schemas.microsoft.com/office/powerpoint/2010/main" val="532570330"/>
+      </p:ext>
+    </p:extLst>
+  </p:cSld>
+  <p:clrMapOvr>
+    <a:masterClrMapping/>
+  </p:clrMapOvr>
+</p:sld>
+</file>
+
+<file path=ppt/slides/slide13.xml><?xml version="1.0" encoding="utf-8"?>
+<p:sld xmlns:a="http://schemas.openxmlformats.org/drawingml/2006/main" xmlns:r="http://schemas.openxmlformats.org/officeDocument/2006/relationships" xmlns:p="http://schemas.openxmlformats.org/presentationml/2006/main">
+  <p:cSld>
+    <p:spTree>
+      <p:nvGrpSpPr>
+        <p:cNvPr id="1" name=""/>
+        <p:cNvGrpSpPr/>
+        <p:nvPr/>
+      </p:nvGrpSpPr>
+      <p:grpSpPr>
+        <a:xfrm>
+          <a:off x="0" y="0"/>
+          <a:ext cx="0" cy="0"/>
+          <a:chOff x="0" y="0"/>
+          <a:chExt cx="0" cy="0"/>
+        </a:xfrm>
+      </p:grpSpPr>
+      <p:sp>
+        <p:nvSpPr>
+          <p:cNvPr id="2" name="Title 1">
+            <a:extLst>
+              <a:ext uri="{FF2B5EF4-FFF2-40B4-BE49-F238E27FC236}">
+                <a16:creationId xmlns:a16="http://schemas.microsoft.com/office/drawing/2014/main" id="{0F50B6C8-DCFB-4F41-908B-9099157A0F6E}"/>
+              </a:ext>
+            </a:extLst>
+          </p:cNvPr>
+          <p:cNvSpPr>
+            <a:spLocks noGrp="1"/>
+          </p:cNvSpPr>
+          <p:nvPr>
+            <p:ph type="title"/>
+          </p:nvPr>
+        </p:nvSpPr>
+        <p:spPr/>
+        <p:txBody>
+          <a:bodyPr/>
+          <a:lstStyle/>
+          <a:p>
+            <a:r>
+              <a:rPr lang="th-TH" b="1" dirty="0">
+                <a:latin typeface="Sarabun" panose="00000500000000000000" pitchFamily="2" charset="-34"/>
+                <a:cs typeface="Sarabun" panose="00000500000000000000" pitchFamily="2" charset="-34"/>
+              </a:rPr>
+              <a:t>ความสามารถของระบบ</a:t>
+            </a:r>
+            <a:r>
+              <a:rPr lang="en-US" b="1" dirty="0">
+                <a:latin typeface="Sarabun" panose="00000500000000000000" pitchFamily="2" charset="-34"/>
+                <a:cs typeface="Sarabun" panose="00000500000000000000" pitchFamily="2" charset="-34"/>
+              </a:rPr>
+              <a:t> (</a:t>
+            </a:r>
+            <a:r>
+              <a:rPr lang="th-TH" b="1" dirty="0">
+                <a:latin typeface="Sarabun" panose="00000500000000000000" pitchFamily="2" charset="-34"/>
+                <a:cs typeface="Sarabun" panose="00000500000000000000" pitchFamily="2" charset="-34"/>
+              </a:rPr>
+              <a:t>ต่อ</a:t>
+            </a:r>
+            <a:r>
+              <a:rPr lang="en-US" b="1" dirty="0">
+                <a:latin typeface="Sarabun" panose="00000500000000000000" pitchFamily="2" charset="-34"/>
+                <a:cs typeface="Sarabun" panose="00000500000000000000" pitchFamily="2" charset="-34"/>
+              </a:rPr>
+              <a:t>)</a:t>
+            </a:r>
+          </a:p>
+        </p:txBody>
+      </p:sp>
+      <p:sp>
+        <p:nvSpPr>
+          <p:cNvPr id="3" name="Content Placeholder 2">
+            <a:extLst>
+              <a:ext uri="{FF2B5EF4-FFF2-40B4-BE49-F238E27FC236}">
+                <a16:creationId xmlns:a16="http://schemas.microsoft.com/office/drawing/2014/main" id="{5AF2BBD3-0120-4E7A-9295-9FA3D3068B1A}"/>
+              </a:ext>
+            </a:extLst>
+          </p:cNvPr>
+          <p:cNvSpPr>
+            <a:spLocks noGrp="1"/>
+          </p:cNvSpPr>
+          <p:nvPr>
+            <p:ph idx="1"/>
+          </p:nvPr>
+        </p:nvSpPr>
+        <p:spPr/>
+        <p:txBody>
+          <a:bodyPr>
+            <a:normAutofit/>
+          </a:bodyPr>
+          <a:lstStyle/>
+          <a:p>
+            <a:pPr marL="0" indent="0">
+              <a:buNone/>
+            </a:pPr>
+            <a:r>
+              <a:rPr lang="th-TH" dirty="0">
+                <a:latin typeface="Sarabun" panose="00000500000000000000" pitchFamily="2" charset="-34"/>
+                <a:cs typeface="Sarabun" panose="00000500000000000000" pitchFamily="2" charset="-34"/>
+              </a:rPr>
               <a:t> </a:t>
             </a:r>
             <a:endParaRPr lang="en-US" dirty="0">
@@ -12697,7 +13463,7 @@
 </p:sld>
 </file>
 
-<file path=ppt/slides/slide11.xml><?xml version="1.0" encoding="utf-8"?>
+<file path=ppt/slides/slide14.xml><?xml version="1.0" encoding="utf-8"?>
 <p:sld xmlns:a="http://schemas.openxmlformats.org/drawingml/2006/main" xmlns:r="http://schemas.openxmlformats.org/officeDocument/2006/relationships" xmlns:p="http://schemas.openxmlformats.org/presentationml/2006/main">
   <p:cSld>
     <p:spTree>
@@ -12905,7 +13671,7 @@
 </p:sld>
 </file>
 
-<file path=ppt/slides/slide12.xml><?xml version="1.0" encoding="utf-8"?>
+<file path=ppt/slides/slide15.xml><?xml version="1.0" encoding="utf-8"?>
 <p:sld xmlns:a="http://schemas.openxmlformats.org/drawingml/2006/main" xmlns:r="http://schemas.openxmlformats.org/officeDocument/2006/relationships" xmlns:p="http://schemas.openxmlformats.org/presentationml/2006/main">
   <p:cSld>
     <p:spTree>
@@ -13085,7 +13851,7 @@
 </p:sld>
 </file>
 
-<file path=ppt/slides/slide13.xml><?xml version="1.0" encoding="utf-8"?>
+<file path=ppt/slides/slide16.xml><?xml version="1.0" encoding="utf-8"?>
 <p:sld xmlns:a="http://schemas.openxmlformats.org/drawingml/2006/main" xmlns:r="http://schemas.openxmlformats.org/officeDocument/2006/relationships" xmlns:p="http://schemas.openxmlformats.org/presentationml/2006/main">
   <p:cSld>
     <p:spTree>
@@ -13387,7 +14153,7 @@
 </p:sld>
 </file>
 
-<file path=ppt/slides/slide14.xml><?xml version="1.0" encoding="utf-8"?>
+<file path=ppt/slides/slide17.xml><?xml version="1.0" encoding="utf-8"?>
 <p:sld xmlns:a="http://schemas.openxmlformats.org/drawingml/2006/main" xmlns:r="http://schemas.openxmlformats.org/officeDocument/2006/relationships" xmlns:p="http://schemas.openxmlformats.org/presentationml/2006/main">
   <p:cSld>
     <p:spTree>
@@ -14250,7 +15016,7 @@
 </p:sld>
 </file>
 
-<file path=ppt/slides/slide15.xml><?xml version="1.0" encoding="utf-8"?>
+<file path=ppt/slides/slide18.xml><?xml version="1.0" encoding="utf-8"?>
 <p:sld xmlns:a="http://schemas.openxmlformats.org/drawingml/2006/main" xmlns:r="http://schemas.openxmlformats.org/officeDocument/2006/relationships" xmlns:p="http://schemas.openxmlformats.org/presentationml/2006/main">
   <p:cSld>
     <p:spTree>
@@ -14363,11 +15129,54 @@
                 <a:latin typeface="Sarabun" panose="00000500000000000000" pitchFamily="2" charset="-34"/>
                 <a:cs typeface="Sarabun" panose="00000500000000000000" pitchFamily="2" charset="-34"/>
               </a:rPr>
-              <a:t>	• Node.js (API) </a:t>
+              <a:t>	• Node.js (API)</a:t>
             </a:r>
           </a:p>
         </p:txBody>
       </p:sp>
+      <p:pic>
+        <p:nvPicPr>
+          <p:cNvPr id="5" name="Picture 4">
+            <a:extLst>
+              <a:ext uri="{FF2B5EF4-FFF2-40B4-BE49-F238E27FC236}">
+                <a16:creationId xmlns:a16="http://schemas.microsoft.com/office/drawing/2014/main" id="{AA5B7753-3091-4F8F-95C1-F71403166709}"/>
+              </a:ext>
+            </a:extLst>
+          </p:cNvPr>
+          <p:cNvPicPr>
+            <a:picLocks noChangeAspect="1"/>
+          </p:cNvPicPr>
+          <p:nvPr/>
+        </p:nvPicPr>
+        <p:blipFill>
+          <a:blip r:embed="rId2">
+            <a:extLst>
+              <a:ext uri="{28A0092B-C50C-407E-A947-70E740481C1C}">
+                <a14:useLocalDpi xmlns:a14="http://schemas.microsoft.com/office/drawing/2010/main" val="0"/>
+              </a:ext>
+            </a:extLst>
+          </a:blip>
+          <a:stretch>
+            <a:fillRect/>
+          </a:stretch>
+        </p:blipFill>
+        <p:spPr>
+          <a:xfrm>
+            <a:off x="6302478" y="138603"/>
+            <a:ext cx="2438400" cy="2438400"/>
+          </a:xfrm>
+          <a:prstGeom prst="rect">
+            <a:avLst/>
+          </a:prstGeom>
+          <a:effectLst>
+            <a:outerShdw blurRad="63500" sx="102000" sy="102000" algn="ctr" rotWithShape="0">
+              <a:prstClr val="black">
+                <a:alpha val="40000"/>
+              </a:prstClr>
+            </a:outerShdw>
+          </a:effectLst>
+        </p:spPr>
+      </p:pic>
     </p:spTree>
     <p:extLst>
       <p:ext uri="{BB962C8B-B14F-4D97-AF65-F5344CB8AC3E}">
@@ -14381,7 +15190,7 @@
 </p:sld>
 </file>
 
-<file path=ppt/slides/slide16.xml><?xml version="1.0" encoding="utf-8"?>
+<file path=ppt/slides/slide19.xml><?xml version="1.0" encoding="utf-8"?>
 <p:sld xmlns:a="http://schemas.openxmlformats.org/drawingml/2006/main" xmlns:r="http://schemas.openxmlformats.org/officeDocument/2006/relationships" xmlns:p="http://schemas.openxmlformats.org/presentationml/2006/main">
   <p:cSld>
     <p:spTree>
@@ -14542,7 +15351,182 @@
 </p:sld>
 </file>
 
-<file path=ppt/slides/slide17.xml><?xml version="1.0" encoding="utf-8"?>
+<file path=ppt/slides/slide2.xml><?xml version="1.0" encoding="utf-8"?>
+<p:sld xmlns:a="http://schemas.openxmlformats.org/drawingml/2006/main" xmlns:r="http://schemas.openxmlformats.org/officeDocument/2006/relationships" xmlns:p="http://schemas.openxmlformats.org/presentationml/2006/main">
+  <p:cSld>
+    <p:spTree>
+      <p:nvGrpSpPr>
+        <p:cNvPr id="1" name=""/>
+        <p:cNvGrpSpPr/>
+        <p:nvPr/>
+      </p:nvGrpSpPr>
+      <p:grpSpPr>
+        <a:xfrm>
+          <a:off x="0" y="0"/>
+          <a:ext cx="0" cy="0"/>
+          <a:chOff x="0" y="0"/>
+          <a:chExt cx="0" cy="0"/>
+        </a:xfrm>
+      </p:grpSpPr>
+      <p:sp>
+        <p:nvSpPr>
+          <p:cNvPr id="2" name="Title 1">
+            <a:extLst>
+              <a:ext uri="{FF2B5EF4-FFF2-40B4-BE49-F238E27FC236}">
+                <a16:creationId xmlns:a16="http://schemas.microsoft.com/office/drawing/2014/main" id="{5AA078DD-9F72-4FB5-A78E-FD8D8C9B7EC6}"/>
+              </a:ext>
+            </a:extLst>
+          </p:cNvPr>
+          <p:cNvSpPr>
+            <a:spLocks noGrp="1"/>
+          </p:cNvSpPr>
+          <p:nvPr>
+            <p:ph type="title"/>
+          </p:nvPr>
+        </p:nvSpPr>
+        <p:spPr/>
+        <p:txBody>
+          <a:bodyPr/>
+          <a:lstStyle/>
+          <a:p>
+            <a:r>
+              <a:rPr lang="en-US" dirty="0"/>
+              <a:t>outline</a:t>
+            </a:r>
+          </a:p>
+        </p:txBody>
+      </p:sp>
+      <p:sp>
+        <p:nvSpPr>
+          <p:cNvPr id="3" name="Content Placeholder 2">
+            <a:extLst>
+              <a:ext uri="{FF2B5EF4-FFF2-40B4-BE49-F238E27FC236}">
+                <a16:creationId xmlns:a16="http://schemas.microsoft.com/office/drawing/2014/main" id="{3EB5F0DE-EBAC-4CEB-8DE1-2D51F6E331E7}"/>
+              </a:ext>
+            </a:extLst>
+          </p:cNvPr>
+          <p:cNvSpPr>
+            <a:spLocks noGrp="1"/>
+          </p:cNvSpPr>
+          <p:nvPr>
+            <p:ph idx="1"/>
+          </p:nvPr>
+        </p:nvSpPr>
+        <p:spPr/>
+        <p:txBody>
+          <a:bodyPr/>
+          <a:lstStyle/>
+          <a:p>
+            <a:pPr marL="0" indent="0">
+              <a:buNone/>
+            </a:pPr>
+            <a:r>
+              <a:rPr lang="en-US" dirty="0">
+                <a:latin typeface="Sarabun" panose="00000500000000000000" pitchFamily="2" charset="-34"/>
+                <a:cs typeface="Sarabun" panose="00000500000000000000" pitchFamily="2" charset="-34"/>
+              </a:rPr>
+              <a:t>	• </a:t>
+            </a:r>
+            <a:r>
+              <a:rPr lang="th-TH" dirty="0">
+                <a:latin typeface="Sarabun" panose="00000500000000000000" pitchFamily="2" charset="-34"/>
+                <a:cs typeface="Sarabun" panose="00000500000000000000" pitchFamily="2" charset="-34"/>
+              </a:rPr>
+              <a:t>สถานประกอบการที่ฝึกงานสหกิจ</a:t>
+            </a:r>
+          </a:p>
+          <a:p>
+            <a:pPr marL="0" indent="0">
+              <a:buNone/>
+            </a:pPr>
+            <a:r>
+              <a:rPr lang="en-US" dirty="0">
+                <a:latin typeface="Sarabun" panose="00000500000000000000" pitchFamily="2" charset="-34"/>
+                <a:cs typeface="Sarabun" panose="00000500000000000000" pitchFamily="2" charset="-34"/>
+              </a:rPr>
+              <a:t>	• </a:t>
+            </a:r>
+            <a:r>
+              <a:rPr lang="th-TH" dirty="0">
+                <a:latin typeface="Sarabun" panose="00000500000000000000" pitchFamily="2" charset="-34"/>
+                <a:cs typeface="Sarabun" panose="00000500000000000000" pitchFamily="2" charset="-34"/>
+              </a:rPr>
+              <a:t>ตำแหน่งที่ฝึกงานสหกิจ</a:t>
+            </a:r>
+          </a:p>
+          <a:p>
+            <a:pPr marL="0" indent="0">
+              <a:buNone/>
+            </a:pPr>
+            <a:r>
+              <a:rPr lang="en-US" dirty="0">
+                <a:latin typeface="Sarabun" panose="00000500000000000000" pitchFamily="2" charset="-34"/>
+                <a:cs typeface="Sarabun" panose="00000500000000000000" pitchFamily="2" charset="-34"/>
+              </a:rPr>
+              <a:t>	• </a:t>
+            </a:r>
+            <a:r>
+              <a:rPr lang="th-TH" dirty="0">
+                <a:latin typeface="Sarabun" panose="00000500000000000000" pitchFamily="2" charset="-34"/>
+                <a:cs typeface="Sarabun" panose="00000500000000000000" pitchFamily="2" charset="-34"/>
+              </a:rPr>
+              <a:t>งานที่ได้รับมอบหมาย</a:t>
+            </a:r>
+          </a:p>
+          <a:p>
+            <a:pPr marL="0" indent="0">
+              <a:buNone/>
+            </a:pPr>
+            <a:r>
+              <a:rPr lang="en-US" dirty="0">
+                <a:latin typeface="Sarabun" panose="00000500000000000000" pitchFamily="2" charset="-34"/>
+                <a:cs typeface="Sarabun" panose="00000500000000000000" pitchFamily="2" charset="-34"/>
+              </a:rPr>
+              <a:t>	• </a:t>
+            </a:r>
+            <a:r>
+              <a:rPr lang="th-TH" dirty="0">
+                <a:latin typeface="Sarabun" panose="00000500000000000000" pitchFamily="2" charset="-34"/>
+                <a:cs typeface="Sarabun" panose="00000500000000000000" pitchFamily="2" charset="-34"/>
+              </a:rPr>
+              <a:t>เสนองานที่ได้รับมอบหมาย</a:t>
+            </a:r>
+          </a:p>
+          <a:p>
+            <a:pPr marL="0" indent="0">
+              <a:buNone/>
+            </a:pPr>
+            <a:r>
+              <a:rPr lang="en-US" dirty="0">
+                <a:latin typeface="Sarabun" panose="00000500000000000000" pitchFamily="2" charset="-34"/>
+                <a:cs typeface="Sarabun" panose="00000500000000000000" pitchFamily="2" charset="-34"/>
+              </a:rPr>
+              <a:t>	• </a:t>
+            </a:r>
+            <a:r>
+              <a:rPr lang="th-TH" dirty="0">
+                <a:latin typeface="Sarabun" panose="00000500000000000000" pitchFamily="2" charset="-34"/>
+                <a:cs typeface="Sarabun" panose="00000500000000000000" pitchFamily="2" charset="-34"/>
+              </a:rPr>
+              <a:t>ประโยชน์ที่ได้จากการฝึกงานสหกิจ</a:t>
+            </a:r>
+          </a:p>
+        </p:txBody>
+      </p:sp>
+    </p:spTree>
+    <p:extLst>
+      <p:ext uri="{BB962C8B-B14F-4D97-AF65-F5344CB8AC3E}">
+        <p14:creationId xmlns:p14="http://schemas.microsoft.com/office/powerpoint/2010/main" val="1742959867"/>
+      </p:ext>
+    </p:extLst>
+  </p:cSld>
+  <p:clrMapOvr>
+    <a:masterClrMapping/>
+  </p:clrMapOvr>
+</p:sld>
+</file>
+
+<file path=ppt/slides/slide20.xml><?xml version="1.0" encoding="utf-8"?>
 <p:sld xmlns:a="http://schemas.openxmlformats.org/drawingml/2006/main" xmlns:r="http://schemas.openxmlformats.org/officeDocument/2006/relationships" xmlns:p="http://schemas.openxmlformats.org/presentationml/2006/main">
   <p:cSld>
     <p:spTree>
@@ -14612,7 +15596,11 @@
           <a:bodyPr/>
           <a:lstStyle/>
           <a:p>
-            <a:endParaRPr lang="en-US"/>
+            <a:r>
+              <a:rPr lang="th-TH" dirty="0"/>
+              <a:t> </a:t>
+            </a:r>
+            <a:endParaRPr lang="en-US" dirty="0"/>
           </a:p>
         </p:txBody>
       </p:sp>
@@ -14629,7 +15617,134 @@
 </p:sld>
 </file>
 
-<file path=ppt/slides/slide2.xml><?xml version="1.0" encoding="utf-8"?>
+<file path=ppt/slides/slide21.xml><?xml version="1.0" encoding="utf-8"?>
+<p:sld xmlns:a="http://schemas.openxmlformats.org/drawingml/2006/main" xmlns:r="http://schemas.openxmlformats.org/officeDocument/2006/relationships" xmlns:p="http://schemas.openxmlformats.org/presentationml/2006/main">
+  <p:cSld>
+    <p:spTree>
+      <p:nvGrpSpPr>
+        <p:cNvPr id="1" name=""/>
+        <p:cNvGrpSpPr/>
+        <p:nvPr/>
+      </p:nvGrpSpPr>
+      <p:grpSpPr>
+        <a:xfrm>
+          <a:off x="0" y="0"/>
+          <a:ext cx="0" cy="0"/>
+          <a:chOff x="0" y="0"/>
+          <a:chExt cx="0" cy="0"/>
+        </a:xfrm>
+      </p:grpSpPr>
+      <p:sp>
+        <p:nvSpPr>
+          <p:cNvPr id="2" name="Title 1">
+            <a:extLst>
+              <a:ext uri="{FF2B5EF4-FFF2-40B4-BE49-F238E27FC236}">
+                <a16:creationId xmlns:a16="http://schemas.microsoft.com/office/drawing/2014/main" id="{F93521DD-B4A5-4D78-85ED-22E103AE4FBD}"/>
+              </a:ext>
+            </a:extLst>
+          </p:cNvPr>
+          <p:cNvSpPr>
+            <a:spLocks noGrp="1"/>
+          </p:cNvSpPr>
+          <p:nvPr>
+            <p:ph type="title"/>
+          </p:nvPr>
+        </p:nvSpPr>
+        <p:spPr/>
+        <p:txBody>
+          <a:bodyPr/>
+          <a:lstStyle/>
+          <a:p>
+            <a:r>
+              <a:rPr lang="th-TH" dirty="0">
+                <a:latin typeface="Sarabun" panose="00000500000000000000" pitchFamily="2" charset="-34"/>
+                <a:cs typeface="Sarabun" panose="00000500000000000000" pitchFamily="2" charset="-34"/>
+              </a:rPr>
+              <a:t>ประโยชน์ที่ได้จากการฝึกงานสหกิจ</a:t>
+            </a:r>
+            <a:endParaRPr lang="en-US" dirty="0">
+              <a:latin typeface="Sarabun" panose="00000500000000000000" pitchFamily="2" charset="-34"/>
+              <a:cs typeface="Sarabun" panose="00000500000000000000" pitchFamily="2" charset="-34"/>
+            </a:endParaRPr>
+          </a:p>
+        </p:txBody>
+      </p:sp>
+      <p:sp>
+        <p:nvSpPr>
+          <p:cNvPr id="3" name="Content Placeholder 2">
+            <a:extLst>
+              <a:ext uri="{FF2B5EF4-FFF2-40B4-BE49-F238E27FC236}">
+                <a16:creationId xmlns:a16="http://schemas.microsoft.com/office/drawing/2014/main" id="{198B1A1E-A7AA-42AB-8854-40F61FDEFFBB}"/>
+              </a:ext>
+            </a:extLst>
+          </p:cNvPr>
+          <p:cNvSpPr>
+            <a:spLocks noGrp="1"/>
+          </p:cNvSpPr>
+          <p:nvPr>
+            <p:ph idx="1"/>
+          </p:nvPr>
+        </p:nvSpPr>
+        <p:spPr/>
+        <p:txBody>
+          <a:bodyPr/>
+          <a:lstStyle/>
+          <a:p>
+            <a:pPr marL="0" indent="0">
+              <a:buNone/>
+            </a:pPr>
+            <a:r>
+              <a:rPr lang="en-US" dirty="0">
+                <a:latin typeface="Sarabun" panose="00000500000000000000" pitchFamily="2" charset="-34"/>
+                <a:cs typeface="Sarabun" panose="00000500000000000000" pitchFamily="2" charset="-34"/>
+              </a:rPr>
+              <a:t>	</a:t>
+            </a:r>
+            <a:r>
+              <a:rPr lang="th-TH" dirty="0">
+                <a:latin typeface="Sarabun" panose="00000500000000000000" pitchFamily="2" charset="-34"/>
+                <a:cs typeface="Sarabun" panose="00000500000000000000" pitchFamily="2" charset="-34"/>
+              </a:rPr>
+              <a:t>• กระบวนการทำงานจริง ๆ</a:t>
+            </a:r>
+          </a:p>
+          <a:p>
+            <a:pPr marL="0" indent="0">
+              <a:buNone/>
+            </a:pPr>
+            <a:r>
+              <a:rPr lang="th-TH" dirty="0">
+                <a:latin typeface="Sarabun" panose="00000500000000000000" pitchFamily="2" charset="-34"/>
+                <a:cs typeface="Sarabun" panose="00000500000000000000" pitchFamily="2" charset="-34"/>
+              </a:rPr>
+              <a:t>	• เทคนิคในการใช้งานเครื่องมือต่าง ๆ</a:t>
+            </a:r>
+          </a:p>
+          <a:p>
+            <a:pPr marL="0" indent="0">
+              <a:buNone/>
+            </a:pPr>
+            <a:endParaRPr lang="en-US" dirty="0">
+              <a:latin typeface="Sarabun" panose="00000500000000000000" pitchFamily="2" charset="-34"/>
+              <a:cs typeface="Sarabun" panose="00000500000000000000" pitchFamily="2" charset="-34"/>
+            </a:endParaRPr>
+          </a:p>
+        </p:txBody>
+      </p:sp>
+    </p:spTree>
+    <p:extLst>
+      <p:ext uri="{BB962C8B-B14F-4D97-AF65-F5344CB8AC3E}">
+        <p14:creationId xmlns:p14="http://schemas.microsoft.com/office/powerpoint/2010/main" val="49548511"/>
+      </p:ext>
+    </p:extLst>
+  </p:cSld>
+  <p:clrMapOvr>
+    <a:masterClrMapping/>
+  </p:clrMapOvr>
+</p:sld>
+</file>
+
+<file path=ppt/slides/slide3.xml><?xml version="1.0" encoding="utf-8"?>
 <p:sld xmlns:a="http://schemas.openxmlformats.org/drawingml/2006/main" xmlns:r="http://schemas.openxmlformats.org/officeDocument/2006/relationships" xmlns:p="http://schemas.openxmlformats.org/presentationml/2006/main">
   <p:cSld>
     <p:spTree>
@@ -14718,67 +15833,74 @@
               <a:buNone/>
             </a:pPr>
             <a:r>
+              <a:rPr lang="th-TH" dirty="0">
+                <a:latin typeface="Sarabun" panose="00000500000000000000" pitchFamily="2" charset="-34"/>
+                <a:cs typeface="Sarabun" panose="00000500000000000000" pitchFamily="2" charset="-34"/>
+              </a:rPr>
+              <a:t>ที่อยู่</a:t>
+            </a:r>
+            <a:r>
               <a:rPr lang="en-US" dirty="0">
                 <a:latin typeface="Sarabun" panose="00000500000000000000" pitchFamily="2" charset="-34"/>
                 <a:cs typeface="Sarabun" panose="00000500000000000000" pitchFamily="2" charset="-34"/>
               </a:rPr>
-              <a:t>	</a:t>
+              <a:t>	: </a:t>
             </a:r>
             <a:r>
               <a:rPr lang="th-TH" dirty="0">
                 <a:latin typeface="Sarabun" panose="00000500000000000000" pitchFamily="2" charset="-34"/>
                 <a:cs typeface="Sarabun" panose="00000500000000000000" pitchFamily="2" charset="-34"/>
               </a:rPr>
-              <a:t>ก่อตั้งขึ้นในปี</a:t>
+              <a:t>เลขที่ </a:t>
             </a:r>
             <a:r>
               <a:rPr lang="en-US" dirty="0">
                 <a:latin typeface="Sarabun" panose="00000500000000000000" pitchFamily="2" charset="-34"/>
                 <a:cs typeface="Sarabun" panose="00000500000000000000" pitchFamily="2" charset="-34"/>
               </a:rPr>
-              <a:t> </a:t>
+              <a:t>348 </a:t>
             </a:r>
             <a:r>
               <a:rPr lang="th-TH" dirty="0">
                 <a:latin typeface="Sarabun" panose="00000500000000000000" pitchFamily="2" charset="-34"/>
                 <a:cs typeface="Sarabun" panose="00000500000000000000" pitchFamily="2" charset="-34"/>
               </a:rPr>
-              <a:t>2006</a:t>
+              <a:t>ซอย ลาดพร้าว </a:t>
             </a:r>
             <a:r>
               <a:rPr lang="en-US" dirty="0">
                 <a:latin typeface="Sarabun" panose="00000500000000000000" pitchFamily="2" charset="-34"/>
                 <a:cs typeface="Sarabun" panose="00000500000000000000" pitchFamily="2" charset="-34"/>
               </a:rPr>
-              <a:t> </a:t>
+              <a:t>94 </a:t>
             </a:r>
             <a:r>
               <a:rPr lang="th-TH" dirty="0">
                 <a:latin typeface="Sarabun" panose="00000500000000000000" pitchFamily="2" charset="-34"/>
                 <a:cs typeface="Sarabun" panose="00000500000000000000" pitchFamily="2" charset="-34"/>
               </a:rPr>
-              <a:t>ให้บริการ </a:t>
+              <a:t>แขวง พลับพลา เขตวังทองหลาง </a:t>
             </a:r>
             <a:r>
               <a:rPr lang="en-US" dirty="0">
                 <a:latin typeface="Sarabun" panose="00000500000000000000" pitchFamily="2" charset="-34"/>
                 <a:cs typeface="Sarabun" panose="00000500000000000000" pitchFamily="2" charset="-34"/>
               </a:rPr>
-              <a:t>VFX </a:t>
+              <a:t>		  </a:t>
             </a:r>
             <a:r>
               <a:rPr lang="th-TH" dirty="0">
                 <a:latin typeface="Sarabun" panose="00000500000000000000" pitchFamily="2" charset="-34"/>
                 <a:cs typeface="Sarabun" panose="00000500000000000000" pitchFamily="2" charset="-34"/>
               </a:rPr>
-              <a:t>และ </a:t>
+              <a:t>กรุงเทพมหานคร </a:t>
             </a:r>
             <a:r>
               <a:rPr lang="en-US" dirty="0">
                 <a:latin typeface="Sarabun" panose="00000500000000000000" pitchFamily="2" charset="-34"/>
                 <a:cs typeface="Sarabun" panose="00000500000000000000" pitchFamily="2" charset="-34"/>
               </a:rPr>
-              <a:t>post production </a:t>
+              <a:t>10310</a:t>
             </a:r>
           </a:p>
         </p:txBody>
@@ -14837,6 +15959,42 @@
           </a:extLst>
         </p:spPr>
       </p:pic>
+      <p:pic>
+        <p:nvPicPr>
+          <p:cNvPr id="5" name="Picture 4">
+            <a:extLst>
+              <a:ext uri="{FF2B5EF4-FFF2-40B4-BE49-F238E27FC236}">
+                <a16:creationId xmlns:a16="http://schemas.microsoft.com/office/drawing/2014/main" id="{836D58BB-E940-4E6C-A018-8A10910A29E3}"/>
+              </a:ext>
+            </a:extLst>
+          </p:cNvPr>
+          <p:cNvPicPr>
+            <a:picLocks noChangeAspect="1"/>
+          </p:cNvPicPr>
+          <p:nvPr/>
+        </p:nvPicPr>
+        <p:blipFill>
+          <a:blip r:embed="rId3">
+            <a:extLst>
+              <a:ext uri="{28A0092B-C50C-407E-A947-70E740481C1C}">
+                <a14:useLocalDpi xmlns:a14="http://schemas.microsoft.com/office/drawing/2010/main" val="0"/>
+              </a:ext>
+            </a:extLst>
+          </a:blip>
+          <a:stretch>
+            <a:fillRect/>
+          </a:stretch>
+        </p:blipFill>
+        <p:spPr>
+          <a:xfrm>
+            <a:off x="5239006" y="4080391"/>
+            <a:ext cx="1710810" cy="1710810"/>
+          </a:xfrm>
+          <a:prstGeom prst="rect">
+            <a:avLst/>
+          </a:prstGeom>
+        </p:spPr>
+      </p:pic>
     </p:spTree>
     <p:extLst>
       <p:ext uri="{BB962C8B-B14F-4D97-AF65-F5344CB8AC3E}">
@@ -14850,7 +16008,504 @@
 </p:sld>
 </file>
 
-<file path=ppt/slides/slide3.xml><?xml version="1.0" encoding="utf-8"?>
+<file path=ppt/slides/slide4.xml><?xml version="1.0" encoding="utf-8"?>
+<p:sld xmlns:a="http://schemas.openxmlformats.org/drawingml/2006/main" xmlns:r="http://schemas.openxmlformats.org/officeDocument/2006/relationships" xmlns:p="http://schemas.openxmlformats.org/presentationml/2006/main">
+  <p:cSld>
+    <p:spTree>
+      <p:nvGrpSpPr>
+        <p:cNvPr id="1" name=""/>
+        <p:cNvGrpSpPr/>
+        <p:nvPr/>
+      </p:nvGrpSpPr>
+      <p:grpSpPr>
+        <a:xfrm>
+          <a:off x="0" y="0"/>
+          <a:ext cx="0" cy="0"/>
+          <a:chOff x="0" y="0"/>
+          <a:chExt cx="0" cy="0"/>
+        </a:xfrm>
+      </p:grpSpPr>
+      <p:sp>
+        <p:nvSpPr>
+          <p:cNvPr id="2" name="Title 1">
+            <a:extLst>
+              <a:ext uri="{FF2B5EF4-FFF2-40B4-BE49-F238E27FC236}">
+                <a16:creationId xmlns:a16="http://schemas.microsoft.com/office/drawing/2014/main" id="{AF46675A-20D4-46A0-8FE6-253636994BBE}"/>
+              </a:ext>
+            </a:extLst>
+          </p:cNvPr>
+          <p:cNvSpPr>
+            <a:spLocks noGrp="1"/>
+          </p:cNvSpPr>
+          <p:nvPr>
+            <p:ph type="title"/>
+          </p:nvPr>
+        </p:nvSpPr>
+        <p:spPr/>
+        <p:txBody>
+          <a:bodyPr/>
+          <a:lstStyle/>
+          <a:p>
+            <a:r>
+              <a:rPr lang="en-US" dirty="0">
+                <a:latin typeface="Sarabun" panose="00000500000000000000" pitchFamily="2" charset="-34"/>
+                <a:cs typeface="Sarabun" panose="00000500000000000000" pitchFamily="2" charset="-34"/>
+              </a:rPr>
+              <a:t> </a:t>
+            </a:r>
+          </a:p>
+        </p:txBody>
+      </p:sp>
+      <p:sp>
+        <p:nvSpPr>
+          <p:cNvPr id="3" name="Content Placeholder 2">
+            <a:extLst>
+              <a:ext uri="{FF2B5EF4-FFF2-40B4-BE49-F238E27FC236}">
+                <a16:creationId xmlns:a16="http://schemas.microsoft.com/office/drawing/2014/main" id="{CF69BD42-4F5D-4F73-AA0C-D6FA42D34135}"/>
+              </a:ext>
+            </a:extLst>
+          </p:cNvPr>
+          <p:cNvSpPr>
+            <a:spLocks noGrp="1"/>
+          </p:cNvSpPr>
+          <p:nvPr>
+            <p:ph idx="1"/>
+          </p:nvPr>
+        </p:nvSpPr>
+        <p:spPr/>
+        <p:txBody>
+          <a:bodyPr/>
+          <a:lstStyle/>
+          <a:p>
+            <a:pPr marL="0" indent="0">
+              <a:buNone/>
+            </a:pPr>
+            <a:r>
+              <a:rPr lang="th-TH" dirty="0">
+                <a:latin typeface="Sarabun" panose="00000500000000000000" pitchFamily="2" charset="-34"/>
+                <a:cs typeface="Sarabun" panose="00000500000000000000" pitchFamily="2" charset="-34"/>
+              </a:rPr>
+              <a:t>	</a:t>
+            </a:r>
+            <a:r>
+              <a:rPr lang="en-US" dirty="0">
+                <a:latin typeface="Sarabun" panose="00000500000000000000" pitchFamily="2" charset="-34"/>
+                <a:cs typeface="Sarabun" panose="00000500000000000000" pitchFamily="2" charset="-34"/>
+              </a:rPr>
+              <a:t>YGGDRAZIL </a:t>
+            </a:r>
+            <a:r>
+              <a:rPr lang="th-TH" dirty="0">
+                <a:latin typeface="Sarabun" panose="00000500000000000000" pitchFamily="2" charset="-34"/>
+                <a:cs typeface="Sarabun" panose="00000500000000000000" pitchFamily="2" charset="-34"/>
+              </a:rPr>
+              <a:t>ก่อตั้งขึ้นในปี </a:t>
+            </a:r>
+            <a:r>
+              <a:rPr lang="en-US" dirty="0">
+                <a:latin typeface="Sarabun" panose="00000500000000000000" pitchFamily="2" charset="-34"/>
+                <a:cs typeface="Sarabun" panose="00000500000000000000" pitchFamily="2" charset="-34"/>
+              </a:rPr>
+              <a:t>2006 </a:t>
+            </a:r>
+            <a:r>
+              <a:rPr lang="th-TH" dirty="0">
+                <a:latin typeface="Sarabun" panose="00000500000000000000" pitchFamily="2" charset="-34"/>
+                <a:cs typeface="Sarabun" panose="00000500000000000000" pitchFamily="2" charset="-34"/>
+              </a:rPr>
+              <a:t>เป็นบริษัทที่ก่อตั้งไทยที่ให้บริการ </a:t>
+            </a:r>
+            <a:r>
+              <a:rPr lang="en-US" dirty="0">
+                <a:latin typeface="Sarabun" panose="00000500000000000000" pitchFamily="2" charset="-34"/>
+                <a:cs typeface="Sarabun" panose="00000500000000000000" pitchFamily="2" charset="-34"/>
+              </a:rPr>
+              <a:t>VFX </a:t>
+            </a:r>
+            <a:r>
+              <a:rPr lang="th-TH" dirty="0">
+                <a:latin typeface="Sarabun" panose="00000500000000000000" pitchFamily="2" charset="-34"/>
+                <a:cs typeface="Sarabun" panose="00000500000000000000" pitchFamily="2" charset="-34"/>
+              </a:rPr>
+              <a:t>และ </a:t>
+            </a:r>
+            <a:r>
+              <a:rPr lang="en-US" dirty="0">
+                <a:latin typeface="Sarabun" panose="00000500000000000000" pitchFamily="2" charset="-34"/>
+                <a:cs typeface="Sarabun" panose="00000500000000000000" pitchFamily="2" charset="-34"/>
+              </a:rPr>
+              <a:t>post production</a:t>
+            </a:r>
+            <a:r>
+              <a:rPr lang="th-TH" dirty="0">
+                <a:latin typeface="Sarabun" panose="00000500000000000000" pitchFamily="2" charset="-34"/>
+                <a:cs typeface="Sarabun" panose="00000500000000000000" pitchFamily="2" charset="-34"/>
+              </a:rPr>
+              <a:t> มีพนักงานกว่า 200 คน ผ่านมาแล้วกว่า 100 งาน</a:t>
+            </a:r>
+            <a:endParaRPr lang="en-US" dirty="0">
+              <a:latin typeface="Sarabun" panose="00000500000000000000" pitchFamily="2" charset="-34"/>
+              <a:cs typeface="Sarabun" panose="00000500000000000000" pitchFamily="2" charset="-34"/>
+            </a:endParaRPr>
+          </a:p>
+        </p:txBody>
+      </p:sp>
+      <p:pic>
+        <p:nvPicPr>
+          <p:cNvPr id="1026" name="Picture 2">
+            <a:extLst>
+              <a:ext uri="{FF2B5EF4-FFF2-40B4-BE49-F238E27FC236}">
+                <a16:creationId xmlns:a16="http://schemas.microsoft.com/office/drawing/2014/main" id="{D1D37989-6033-488F-A1C3-C83319B6BDE5}"/>
+              </a:ext>
+            </a:extLst>
+          </p:cNvPr>
+          <p:cNvPicPr>
+            <a:picLocks noChangeAspect="1" noChangeArrowheads="1"/>
+          </p:cNvPicPr>
+          <p:nvPr/>
+        </p:nvPicPr>
+        <p:blipFill>
+          <a:blip r:embed="rId2">
+            <a:extLst>
+              <a:ext uri="{28A0092B-C50C-407E-A947-70E740481C1C}">
+                <a14:useLocalDpi xmlns:a14="http://schemas.microsoft.com/office/drawing/2010/main" val="0"/>
+              </a:ext>
+            </a:extLst>
+          </a:blip>
+          <a:srcRect/>
+          <a:stretch>
+            <a:fillRect/>
+          </a:stretch>
+        </p:blipFill>
+        <p:spPr bwMode="auto">
+          <a:xfrm>
+            <a:off x="2447873" y="858838"/>
+            <a:ext cx="8001000" cy="876300"/>
+          </a:xfrm>
+          <a:prstGeom prst="rect">
+            <a:avLst/>
+          </a:prstGeom>
+          <a:noFill/>
+          <a:effectLst>
+            <a:outerShdw blurRad="63500" sx="102000" sy="102000" algn="ctr" rotWithShape="0">
+              <a:prstClr val="black">
+                <a:alpha val="40000"/>
+              </a:prstClr>
+            </a:outerShdw>
+          </a:effectLst>
+          <a:extLst>
+            <a:ext uri="{909E8E84-426E-40DD-AFC4-6F175D3DCCD1}">
+              <a14:hiddenFill xmlns:a14="http://schemas.microsoft.com/office/drawing/2010/main">
+                <a:solidFill>
+                  <a:srgbClr val="FFFFFF"/>
+                </a:solidFill>
+              </a14:hiddenFill>
+            </a:ext>
+          </a:extLst>
+        </p:spPr>
+      </p:pic>
+      <p:pic>
+        <p:nvPicPr>
+          <p:cNvPr id="7" name="Picture 6">
+            <a:extLst>
+              <a:ext uri="{FF2B5EF4-FFF2-40B4-BE49-F238E27FC236}">
+                <a16:creationId xmlns:a16="http://schemas.microsoft.com/office/drawing/2014/main" id="{399FD526-0595-411B-87B3-7E54C77805C3}"/>
+              </a:ext>
+            </a:extLst>
+          </p:cNvPr>
+          <p:cNvPicPr>
+            <a:picLocks noChangeAspect="1"/>
+          </p:cNvPicPr>
+          <p:nvPr/>
+        </p:nvPicPr>
+        <p:blipFill rotWithShape="1">
+          <a:blip r:embed="rId3">
+            <a:extLst>
+              <a:ext uri="{28A0092B-C50C-407E-A947-70E740481C1C}">
+                <a14:useLocalDpi xmlns:a14="http://schemas.microsoft.com/office/drawing/2010/main" val="0"/>
+              </a:ext>
+            </a:extLst>
+          </a:blip>
+          <a:srcRect t="25974" b="15838"/>
+          <a:stretch/>
+        </p:blipFill>
+        <p:spPr>
+          <a:xfrm>
+            <a:off x="4047203" y="3559277"/>
+            <a:ext cx="4097594" cy="2384323"/>
+          </a:xfrm>
+          <a:prstGeom prst="rect">
+            <a:avLst/>
+          </a:prstGeom>
+          <a:effectLst>
+            <a:outerShdw blurRad="63500" sx="102000" sy="102000" algn="ctr" rotWithShape="0">
+              <a:prstClr val="black">
+                <a:alpha val="40000"/>
+              </a:prstClr>
+            </a:outerShdw>
+          </a:effectLst>
+        </p:spPr>
+      </p:pic>
+    </p:spTree>
+    <p:extLst>
+      <p:ext uri="{BB962C8B-B14F-4D97-AF65-F5344CB8AC3E}">
+        <p14:creationId xmlns:p14="http://schemas.microsoft.com/office/powerpoint/2010/main" val="3995237270"/>
+      </p:ext>
+    </p:extLst>
+  </p:cSld>
+  <p:clrMapOvr>
+    <a:masterClrMapping/>
+  </p:clrMapOvr>
+</p:sld>
+</file>
+
+<file path=ppt/slides/slide5.xml><?xml version="1.0" encoding="utf-8"?>
+<p:sld xmlns:a="http://schemas.openxmlformats.org/drawingml/2006/main" xmlns:r="http://schemas.openxmlformats.org/officeDocument/2006/relationships" xmlns:p="http://schemas.openxmlformats.org/presentationml/2006/main">
+  <p:cSld>
+    <p:spTree>
+      <p:nvGrpSpPr>
+        <p:cNvPr id="1" name=""/>
+        <p:cNvGrpSpPr/>
+        <p:nvPr/>
+      </p:nvGrpSpPr>
+      <p:grpSpPr>
+        <a:xfrm>
+          <a:off x="0" y="0"/>
+          <a:ext cx="0" cy="0"/>
+          <a:chOff x="0" y="0"/>
+          <a:chExt cx="0" cy="0"/>
+        </a:xfrm>
+      </p:grpSpPr>
+      <p:sp>
+        <p:nvSpPr>
+          <p:cNvPr id="2" name="Title 1">
+            <a:extLst>
+              <a:ext uri="{FF2B5EF4-FFF2-40B4-BE49-F238E27FC236}">
+                <a16:creationId xmlns:a16="http://schemas.microsoft.com/office/drawing/2014/main" id="{AF46675A-20D4-46A0-8FE6-253636994BBE}"/>
+              </a:ext>
+            </a:extLst>
+          </p:cNvPr>
+          <p:cNvSpPr>
+            <a:spLocks noGrp="1"/>
+          </p:cNvSpPr>
+          <p:nvPr>
+            <p:ph type="title"/>
+          </p:nvPr>
+        </p:nvSpPr>
+        <p:spPr/>
+        <p:txBody>
+          <a:bodyPr/>
+          <a:lstStyle/>
+          <a:p>
+            <a:r>
+              <a:rPr lang="en-US" dirty="0">
+                <a:latin typeface="Sarabun" panose="00000500000000000000" pitchFamily="2" charset="-34"/>
+                <a:cs typeface="Sarabun" panose="00000500000000000000" pitchFamily="2" charset="-34"/>
+              </a:rPr>
+              <a:t> </a:t>
+            </a:r>
+          </a:p>
+        </p:txBody>
+      </p:sp>
+      <p:sp>
+        <p:nvSpPr>
+          <p:cNvPr id="3" name="Content Placeholder 2">
+            <a:extLst>
+              <a:ext uri="{FF2B5EF4-FFF2-40B4-BE49-F238E27FC236}">
+                <a16:creationId xmlns:a16="http://schemas.microsoft.com/office/drawing/2014/main" id="{CF69BD42-4F5D-4F73-AA0C-D6FA42D34135}"/>
+              </a:ext>
+            </a:extLst>
+          </p:cNvPr>
+          <p:cNvSpPr>
+            <a:spLocks noGrp="1"/>
+          </p:cNvSpPr>
+          <p:nvPr>
+            <p:ph idx="1"/>
+          </p:nvPr>
+        </p:nvSpPr>
+        <p:spPr/>
+        <p:txBody>
+          <a:bodyPr/>
+          <a:lstStyle/>
+          <a:p>
+            <a:pPr marL="0" indent="0">
+              <a:buNone/>
+            </a:pPr>
+            <a:r>
+              <a:rPr lang="en-US" dirty="0">
+                <a:latin typeface="Sarabun" panose="00000500000000000000" pitchFamily="2" charset="-34"/>
+                <a:cs typeface="Sarabun" panose="00000500000000000000" pitchFamily="2" charset="-34"/>
+              </a:rPr>
+              <a:t> </a:t>
+            </a:r>
+          </a:p>
+        </p:txBody>
+      </p:sp>
+      <p:pic>
+        <p:nvPicPr>
+          <p:cNvPr id="1026" name="Picture 2">
+            <a:extLst>
+              <a:ext uri="{FF2B5EF4-FFF2-40B4-BE49-F238E27FC236}">
+                <a16:creationId xmlns:a16="http://schemas.microsoft.com/office/drawing/2014/main" id="{D1D37989-6033-488F-A1C3-C83319B6BDE5}"/>
+              </a:ext>
+            </a:extLst>
+          </p:cNvPr>
+          <p:cNvPicPr>
+            <a:picLocks noChangeAspect="1" noChangeArrowheads="1"/>
+          </p:cNvPicPr>
+          <p:nvPr/>
+        </p:nvPicPr>
+        <p:blipFill>
+          <a:blip r:embed="rId2">
+            <a:extLst>
+              <a:ext uri="{28A0092B-C50C-407E-A947-70E740481C1C}">
+                <a14:useLocalDpi xmlns:a14="http://schemas.microsoft.com/office/drawing/2010/main" val="0"/>
+              </a:ext>
+            </a:extLst>
+          </a:blip>
+          <a:srcRect/>
+          <a:stretch>
+            <a:fillRect/>
+          </a:stretch>
+        </p:blipFill>
+        <p:spPr bwMode="auto">
+          <a:xfrm>
+            <a:off x="2447873" y="858838"/>
+            <a:ext cx="8001000" cy="876300"/>
+          </a:xfrm>
+          <a:prstGeom prst="rect">
+            <a:avLst/>
+          </a:prstGeom>
+          <a:noFill/>
+          <a:effectLst>
+            <a:outerShdw blurRad="63500" sx="102000" sy="102000" algn="ctr" rotWithShape="0">
+              <a:prstClr val="black">
+                <a:alpha val="40000"/>
+              </a:prstClr>
+            </a:outerShdw>
+          </a:effectLst>
+          <a:extLst>
+            <a:ext uri="{909E8E84-426E-40DD-AFC4-6F175D3DCCD1}">
+              <a14:hiddenFill xmlns:a14="http://schemas.microsoft.com/office/drawing/2010/main">
+                <a:solidFill>
+                  <a:srgbClr val="FFFFFF"/>
+                </a:solidFill>
+              </a14:hiddenFill>
+            </a:ext>
+          </a:extLst>
+        </p:spPr>
+      </p:pic>
+      <p:pic>
+        <p:nvPicPr>
+          <p:cNvPr id="4" name="Picture 2" descr="encrypted-tbn1.gstatic.com/images?q=tbn:ANd9GcQ...">
+            <a:extLst>
+              <a:ext uri="{FF2B5EF4-FFF2-40B4-BE49-F238E27FC236}">
+                <a16:creationId xmlns:a16="http://schemas.microsoft.com/office/drawing/2014/main" id="{A2EEEE2B-7A01-48FE-8247-4F243587B7E2}"/>
+              </a:ext>
+            </a:extLst>
+          </p:cNvPr>
+          <p:cNvPicPr>
+            <a:picLocks noChangeAspect="1" noChangeArrowheads="1"/>
+          </p:cNvPicPr>
+          <p:nvPr/>
+        </p:nvPicPr>
+        <p:blipFill>
+          <a:blip r:embed="rId3">
+            <a:extLst>
+              <a:ext uri="{28A0092B-C50C-407E-A947-70E740481C1C}">
+                <a14:useLocalDpi xmlns:a14="http://schemas.microsoft.com/office/drawing/2010/main" val="0"/>
+              </a:ext>
+            </a:extLst>
+          </a:blip>
+          <a:srcRect/>
+          <a:stretch>
+            <a:fillRect/>
+          </a:stretch>
+        </p:blipFill>
+        <p:spPr bwMode="auto">
+          <a:xfrm>
+            <a:off x="3039758" y="2458065"/>
+            <a:ext cx="2222090" cy="3333136"/>
+          </a:xfrm>
+          <a:prstGeom prst="rect">
+            <a:avLst/>
+          </a:prstGeom>
+          <a:noFill/>
+          <a:effectLst>
+            <a:outerShdw blurRad="63500" sx="102000" sy="102000" algn="ctr" rotWithShape="0">
+              <a:prstClr val="black">
+                <a:alpha val="40000"/>
+              </a:prstClr>
+            </a:outerShdw>
+          </a:effectLst>
+          <a:extLst>
+            <a:ext uri="{909E8E84-426E-40DD-AFC4-6F175D3DCCD1}">
+              <a14:hiddenFill xmlns:a14="http://schemas.microsoft.com/office/drawing/2010/main">
+                <a:solidFill>
+                  <a:srgbClr val="FFFFFF"/>
+                </a:solidFill>
+              </a14:hiddenFill>
+            </a:ext>
+          </a:extLst>
+        </p:spPr>
+      </p:pic>
+      <p:pic>
+        <p:nvPicPr>
+          <p:cNvPr id="6" name="Picture 5">
+            <a:extLst>
+              <a:ext uri="{FF2B5EF4-FFF2-40B4-BE49-F238E27FC236}">
+                <a16:creationId xmlns:a16="http://schemas.microsoft.com/office/drawing/2014/main" id="{15B982FC-853C-4E6A-8182-707DF7A2F2E2}"/>
+              </a:ext>
+            </a:extLst>
+          </p:cNvPr>
+          <p:cNvPicPr>
+            <a:picLocks noChangeAspect="1"/>
+          </p:cNvPicPr>
+          <p:nvPr/>
+        </p:nvPicPr>
+        <p:blipFill>
+          <a:blip r:embed="rId4">
+            <a:extLst>
+              <a:ext uri="{28A0092B-C50C-407E-A947-70E740481C1C}">
+                <a14:useLocalDpi xmlns:a14="http://schemas.microsoft.com/office/drawing/2010/main" val="0"/>
+              </a:ext>
+            </a:extLst>
+          </a:blip>
+          <a:stretch>
+            <a:fillRect/>
+          </a:stretch>
+        </p:blipFill>
+        <p:spPr>
+          <a:xfrm>
+            <a:off x="6930154" y="2458065"/>
+            <a:ext cx="2249867" cy="3333137"/>
+          </a:xfrm>
+          <a:prstGeom prst="rect">
+            <a:avLst/>
+          </a:prstGeom>
+          <a:effectLst>
+            <a:outerShdw blurRad="63500" sx="102000" sy="102000" algn="ctr" rotWithShape="0">
+              <a:prstClr val="black">
+                <a:alpha val="40000"/>
+              </a:prstClr>
+            </a:outerShdw>
+          </a:effectLst>
+        </p:spPr>
+      </p:pic>
+    </p:spTree>
+    <p:extLst>
+      <p:ext uri="{BB962C8B-B14F-4D97-AF65-F5344CB8AC3E}">
+        <p14:creationId xmlns:p14="http://schemas.microsoft.com/office/powerpoint/2010/main" val="3866312907"/>
+      </p:ext>
+    </p:extLst>
+  </p:cSld>
+  <p:clrMapOvr>
+    <a:masterClrMapping/>
+  </p:clrMapOvr>
+</p:sld>
+</file>
+
+<file path=ppt/slides/slide6.xml><?xml version="1.0" encoding="utf-8"?>
 <p:sld xmlns:a="http://schemas.openxmlformats.org/drawingml/2006/main" xmlns:r="http://schemas.openxmlformats.org/officeDocument/2006/relationships" xmlns:p="http://schemas.openxmlformats.org/presentationml/2006/main">
   <p:cSld>
     <p:spTree>
@@ -14955,7 +16610,7 @@
                 <a:latin typeface="Sarabun" panose="00000500000000000000" pitchFamily="2" charset="-34"/>
                 <a:cs typeface="Sarabun" panose="00000500000000000000" pitchFamily="2" charset="-34"/>
               </a:rPr>
-              <a:t>ใช้กระดาษในการลางาน โดยจะเป็นทั้ง </a:t>
+              <a:t>ใช้กระดาษในการลางาน โดยพัฒนาทั้ง </a:t>
             </a:r>
             <a:r>
               <a:rPr lang="en-US" dirty="0">
@@ -15037,660 +16692,6 @@
 </p:sld>
 </file>
 
-<file path=ppt/slides/slide4.xml><?xml version="1.0" encoding="utf-8"?>
-<p:sld xmlns:a="http://schemas.openxmlformats.org/drawingml/2006/main" xmlns:r="http://schemas.openxmlformats.org/officeDocument/2006/relationships" xmlns:p="http://schemas.openxmlformats.org/presentationml/2006/main">
-  <p:cSld>
-    <p:spTree>
-      <p:nvGrpSpPr>
-        <p:cNvPr id="1" name=""/>
-        <p:cNvGrpSpPr/>
-        <p:nvPr/>
-      </p:nvGrpSpPr>
-      <p:grpSpPr>
-        <a:xfrm>
-          <a:off x="0" y="0"/>
-          <a:ext cx="0" cy="0"/>
-          <a:chOff x="0" y="0"/>
-          <a:chExt cx="0" cy="0"/>
-        </a:xfrm>
-      </p:grpSpPr>
-      <p:sp>
-        <p:nvSpPr>
-          <p:cNvPr id="2" name="Title 1">
-            <a:extLst>
-              <a:ext uri="{FF2B5EF4-FFF2-40B4-BE49-F238E27FC236}">
-                <a16:creationId xmlns:a16="http://schemas.microsoft.com/office/drawing/2014/main" id="{0F50B6C8-DCFB-4F41-908B-9099157A0F6E}"/>
-              </a:ext>
-            </a:extLst>
-          </p:cNvPr>
-          <p:cNvSpPr>
-            <a:spLocks noGrp="1"/>
-          </p:cNvSpPr>
-          <p:nvPr>
-            <p:ph type="title"/>
-          </p:nvPr>
-        </p:nvSpPr>
-        <p:spPr/>
-        <p:txBody>
-          <a:bodyPr/>
-          <a:lstStyle/>
-          <a:p>
-            <a:r>
-              <a:rPr lang="th-TH" b="1" dirty="0">
-                <a:latin typeface="Sarabun" panose="00000500000000000000" pitchFamily="2" charset="-34"/>
-                <a:cs typeface="Sarabun" panose="00000500000000000000" pitchFamily="2" charset="-34"/>
-              </a:rPr>
-              <a:t>ความสามารถของระบบ</a:t>
-            </a:r>
-            <a:endParaRPr lang="en-US" b="1" dirty="0">
-              <a:latin typeface="Sarabun" panose="00000500000000000000" pitchFamily="2" charset="-34"/>
-              <a:cs typeface="Sarabun" panose="00000500000000000000" pitchFamily="2" charset="-34"/>
-            </a:endParaRPr>
-          </a:p>
-        </p:txBody>
-      </p:sp>
-      <p:sp>
-        <p:nvSpPr>
-          <p:cNvPr id="3" name="Content Placeholder 2">
-            <a:extLst>
-              <a:ext uri="{FF2B5EF4-FFF2-40B4-BE49-F238E27FC236}">
-                <a16:creationId xmlns:a16="http://schemas.microsoft.com/office/drawing/2014/main" id="{5AF2BBD3-0120-4E7A-9295-9FA3D3068B1A}"/>
-              </a:ext>
-            </a:extLst>
-          </p:cNvPr>
-          <p:cNvSpPr>
-            <a:spLocks noGrp="1"/>
-          </p:cNvSpPr>
-          <p:nvPr>
-            <p:ph idx="1"/>
-          </p:nvPr>
-        </p:nvSpPr>
-        <p:spPr/>
-        <p:txBody>
-          <a:bodyPr/>
-          <a:lstStyle/>
-          <a:p>
-            <a:pPr marL="0" indent="0">
-              <a:buNone/>
-            </a:pPr>
-            <a:r>
-              <a:rPr lang="th-TH" dirty="0">
-                <a:latin typeface="Sarabun" panose="00000500000000000000" pitchFamily="2" charset="-34"/>
-                <a:cs typeface="Sarabun" panose="00000500000000000000" pitchFamily="2" charset="-34"/>
-              </a:rPr>
-              <a:t>1) เข้าสู่ระบบ</a:t>
-            </a:r>
-            <a:endParaRPr lang="en-US" dirty="0">
-              <a:latin typeface="Sarabun" panose="00000500000000000000" pitchFamily="2" charset="-34"/>
-              <a:cs typeface="Sarabun" panose="00000500000000000000" pitchFamily="2" charset="-34"/>
-            </a:endParaRPr>
-          </a:p>
-          <a:p>
-            <a:pPr marL="0" indent="0">
-              <a:buNone/>
-            </a:pPr>
-            <a:r>
-              <a:rPr lang="en-US" dirty="0">
-                <a:latin typeface="Sarabun" panose="00000500000000000000" pitchFamily="2" charset="-34"/>
-                <a:cs typeface="Sarabun" panose="00000500000000000000" pitchFamily="2" charset="-34"/>
-              </a:rPr>
-              <a:t>	• </a:t>
-            </a:r>
-            <a:r>
-              <a:rPr lang="th-TH" dirty="0">
-                <a:latin typeface="Sarabun" panose="00000500000000000000" pitchFamily="2" charset="-34"/>
-                <a:cs typeface="Sarabun" panose="00000500000000000000" pitchFamily="2" charset="-34"/>
-              </a:rPr>
-              <a:t>เข้าสู่ระบบพร้อมเข้ารหัสด้วย </a:t>
-            </a:r>
-            <a:r>
-              <a:rPr lang="en-US" dirty="0">
-                <a:latin typeface="Sarabun" panose="00000500000000000000" pitchFamily="2" charset="-34"/>
-                <a:cs typeface="Sarabun" panose="00000500000000000000" pitchFamily="2" charset="-34"/>
-              </a:rPr>
-              <a:t>JWT (JSON Web Token)</a:t>
-            </a:r>
-          </a:p>
-          <a:p>
-            <a:pPr marL="0" indent="0">
-              <a:buNone/>
-            </a:pPr>
-            <a:endParaRPr lang="en-US" dirty="0">
-              <a:latin typeface="Sarabun" panose="00000500000000000000" pitchFamily="2" charset="-34"/>
-              <a:cs typeface="Sarabun" panose="00000500000000000000" pitchFamily="2" charset="-34"/>
-            </a:endParaRPr>
-          </a:p>
-        </p:txBody>
-      </p:sp>
-      <p:pic>
-        <p:nvPicPr>
-          <p:cNvPr id="7" name="Picture 6">
-            <a:extLst>
-              <a:ext uri="{FF2B5EF4-FFF2-40B4-BE49-F238E27FC236}">
-                <a16:creationId xmlns:a16="http://schemas.microsoft.com/office/drawing/2014/main" id="{B7196300-69D9-429B-BB22-32BED90392A4}"/>
-              </a:ext>
-            </a:extLst>
-          </p:cNvPr>
-          <p:cNvPicPr>
-            <a:picLocks noChangeAspect="1"/>
-          </p:cNvPicPr>
-          <p:nvPr/>
-        </p:nvPicPr>
-        <p:blipFill>
-          <a:blip r:embed="rId2">
-            <a:extLst>
-              <a:ext uri="{28A0092B-C50C-407E-A947-70E740481C1C}">
-                <a14:useLocalDpi xmlns:a14="http://schemas.microsoft.com/office/drawing/2010/main" val="0"/>
-              </a:ext>
-            </a:extLst>
-          </a:blip>
-          <a:stretch>
-            <a:fillRect/>
-          </a:stretch>
-        </p:blipFill>
-        <p:spPr>
-          <a:xfrm>
-            <a:off x="7718323" y="3938734"/>
-            <a:ext cx="2300748" cy="2300748"/>
-          </a:xfrm>
-          <a:prstGeom prst="rect">
-            <a:avLst/>
-          </a:prstGeom>
-          <a:effectLst>
-            <a:outerShdw blurRad="63500" sx="102000" sy="102000" algn="ctr" rotWithShape="0">
-              <a:prstClr val="black">
-                <a:alpha val="40000"/>
-              </a:prstClr>
-            </a:outerShdw>
-          </a:effectLst>
-        </p:spPr>
-      </p:pic>
-    </p:spTree>
-    <p:extLst>
-      <p:ext uri="{BB962C8B-B14F-4D97-AF65-F5344CB8AC3E}">
-        <p14:creationId xmlns:p14="http://schemas.microsoft.com/office/powerpoint/2010/main" val="2615259699"/>
-      </p:ext>
-    </p:extLst>
-  </p:cSld>
-  <p:clrMapOvr>
-    <a:masterClrMapping/>
-  </p:clrMapOvr>
-</p:sld>
-</file>
-
-<file path=ppt/slides/slide5.xml><?xml version="1.0" encoding="utf-8"?>
-<p:sld xmlns:a="http://schemas.openxmlformats.org/drawingml/2006/main" xmlns:r="http://schemas.openxmlformats.org/officeDocument/2006/relationships" xmlns:p="http://schemas.openxmlformats.org/presentationml/2006/main">
-  <p:cSld>
-    <p:spTree>
-      <p:nvGrpSpPr>
-        <p:cNvPr id="1" name=""/>
-        <p:cNvGrpSpPr/>
-        <p:nvPr/>
-      </p:nvGrpSpPr>
-      <p:grpSpPr>
-        <a:xfrm>
-          <a:off x="0" y="0"/>
-          <a:ext cx="0" cy="0"/>
-          <a:chOff x="0" y="0"/>
-          <a:chExt cx="0" cy="0"/>
-        </a:xfrm>
-      </p:grpSpPr>
-      <p:sp>
-        <p:nvSpPr>
-          <p:cNvPr id="2" name="Title 1">
-            <a:extLst>
-              <a:ext uri="{FF2B5EF4-FFF2-40B4-BE49-F238E27FC236}">
-                <a16:creationId xmlns:a16="http://schemas.microsoft.com/office/drawing/2014/main" id="{0F50B6C8-DCFB-4F41-908B-9099157A0F6E}"/>
-              </a:ext>
-            </a:extLst>
-          </p:cNvPr>
-          <p:cNvSpPr>
-            <a:spLocks noGrp="1"/>
-          </p:cNvSpPr>
-          <p:nvPr>
-            <p:ph type="title"/>
-          </p:nvPr>
-        </p:nvSpPr>
-        <p:spPr/>
-        <p:txBody>
-          <a:bodyPr/>
-          <a:lstStyle/>
-          <a:p>
-            <a:r>
-              <a:rPr lang="th-TH" b="1" dirty="0">
-                <a:latin typeface="Sarabun" panose="00000500000000000000" pitchFamily="2" charset="-34"/>
-                <a:cs typeface="Sarabun" panose="00000500000000000000" pitchFamily="2" charset="-34"/>
-              </a:rPr>
-              <a:t>ความสามารถของระบบ</a:t>
-            </a:r>
-            <a:r>
-              <a:rPr lang="en-US" b="1" dirty="0">
-                <a:latin typeface="Sarabun" panose="00000500000000000000" pitchFamily="2" charset="-34"/>
-                <a:cs typeface="Sarabun" panose="00000500000000000000" pitchFamily="2" charset="-34"/>
-              </a:rPr>
-              <a:t> (</a:t>
-            </a:r>
-            <a:r>
-              <a:rPr lang="th-TH" b="1" dirty="0">
-                <a:latin typeface="Sarabun" panose="00000500000000000000" pitchFamily="2" charset="-34"/>
-                <a:cs typeface="Sarabun" panose="00000500000000000000" pitchFamily="2" charset="-34"/>
-              </a:rPr>
-              <a:t>ต่อ</a:t>
-            </a:r>
-            <a:r>
-              <a:rPr lang="en-US" b="1" dirty="0">
-                <a:latin typeface="Sarabun" panose="00000500000000000000" pitchFamily="2" charset="-34"/>
-                <a:cs typeface="Sarabun" panose="00000500000000000000" pitchFamily="2" charset="-34"/>
-              </a:rPr>
-              <a:t>)</a:t>
-            </a:r>
-          </a:p>
-        </p:txBody>
-      </p:sp>
-      <p:sp>
-        <p:nvSpPr>
-          <p:cNvPr id="3" name="Content Placeholder 2">
-            <a:extLst>
-              <a:ext uri="{FF2B5EF4-FFF2-40B4-BE49-F238E27FC236}">
-                <a16:creationId xmlns:a16="http://schemas.microsoft.com/office/drawing/2014/main" id="{5AF2BBD3-0120-4E7A-9295-9FA3D3068B1A}"/>
-              </a:ext>
-            </a:extLst>
-          </p:cNvPr>
-          <p:cNvSpPr>
-            <a:spLocks noGrp="1"/>
-          </p:cNvSpPr>
-          <p:nvPr>
-            <p:ph idx="1"/>
-          </p:nvPr>
-        </p:nvSpPr>
-        <p:spPr/>
-        <p:txBody>
-          <a:bodyPr/>
-          <a:lstStyle/>
-          <a:p>
-            <a:pPr marL="0" indent="0">
-              <a:buNone/>
-            </a:pPr>
-            <a:r>
-              <a:rPr lang="th-TH" dirty="0">
-                <a:latin typeface="Sarabun" panose="00000500000000000000" pitchFamily="2" charset="-34"/>
-                <a:cs typeface="Sarabun" panose="00000500000000000000" pitchFamily="2" charset="-34"/>
-              </a:rPr>
-              <a:t>2) ระบบจัดการข้อมูล</a:t>
-            </a:r>
-            <a:endParaRPr lang="en-US" dirty="0">
-              <a:latin typeface="Sarabun" panose="00000500000000000000" pitchFamily="2" charset="-34"/>
-              <a:cs typeface="Sarabun" panose="00000500000000000000" pitchFamily="2" charset="-34"/>
-            </a:endParaRPr>
-          </a:p>
-          <a:p>
-            <a:pPr marL="0" indent="0">
-              <a:buNone/>
-            </a:pPr>
-            <a:r>
-              <a:rPr lang="en-US" dirty="0">
-                <a:latin typeface="Sarabun" panose="00000500000000000000" pitchFamily="2" charset="-34"/>
-                <a:cs typeface="Sarabun" panose="00000500000000000000" pitchFamily="2" charset="-34"/>
-              </a:rPr>
-              <a:t>	• </a:t>
-            </a:r>
-            <a:r>
-              <a:rPr lang="th-TH" dirty="0">
-                <a:latin typeface="Sarabun" panose="00000500000000000000" pitchFamily="2" charset="-34"/>
-                <a:cs typeface="Sarabun" panose="00000500000000000000" pitchFamily="2" charset="-34"/>
-              </a:rPr>
-              <a:t>สร้างผู้ใช้โดยฝ่ายทรัพยากรบุคคล</a:t>
-            </a:r>
-            <a:endParaRPr lang="en-US" dirty="0">
-              <a:latin typeface="Sarabun" panose="00000500000000000000" pitchFamily="2" charset="-34"/>
-              <a:cs typeface="Sarabun" panose="00000500000000000000" pitchFamily="2" charset="-34"/>
-            </a:endParaRPr>
-          </a:p>
-          <a:p>
-            <a:pPr marL="0" indent="0">
-              <a:buNone/>
-            </a:pPr>
-            <a:r>
-              <a:rPr lang="en-US" dirty="0">
-                <a:latin typeface="Sarabun" panose="00000500000000000000" pitchFamily="2" charset="-34"/>
-                <a:cs typeface="Sarabun" panose="00000500000000000000" pitchFamily="2" charset="-34"/>
-              </a:rPr>
-              <a:t>	• </a:t>
-            </a:r>
-            <a:r>
-              <a:rPr lang="th-TH" dirty="0">
-                <a:latin typeface="Sarabun" panose="00000500000000000000" pitchFamily="2" charset="-34"/>
-                <a:cs typeface="Sarabun" panose="00000500000000000000" pitchFamily="2" charset="-34"/>
-              </a:rPr>
-              <a:t>รหัสผู้ใช้สร้างอัตโนมัติ</a:t>
-            </a:r>
-            <a:endParaRPr lang="en-US" dirty="0">
-              <a:latin typeface="Sarabun" panose="00000500000000000000" pitchFamily="2" charset="-34"/>
-              <a:cs typeface="Sarabun" panose="00000500000000000000" pitchFamily="2" charset="-34"/>
-            </a:endParaRPr>
-          </a:p>
-          <a:p>
-            <a:pPr marL="0" indent="0">
-              <a:buNone/>
-            </a:pPr>
-            <a:r>
-              <a:rPr lang="en-US" dirty="0">
-                <a:latin typeface="Sarabun" panose="00000500000000000000" pitchFamily="2" charset="-34"/>
-                <a:cs typeface="Sarabun" panose="00000500000000000000" pitchFamily="2" charset="-34"/>
-              </a:rPr>
-              <a:t>	• </a:t>
-            </a:r>
-            <a:r>
-              <a:rPr lang="th-TH" dirty="0">
-                <a:latin typeface="Sarabun" panose="00000500000000000000" pitchFamily="2" charset="-34"/>
-                <a:cs typeface="Sarabun" panose="00000500000000000000" pitchFamily="2" charset="-34"/>
-              </a:rPr>
-              <a:t>แก้ไข้ข้อมูลโดยฝ่ายทรัพยากรบุคคล</a:t>
-            </a:r>
-            <a:endParaRPr lang="en-US" dirty="0">
-              <a:latin typeface="Sarabun" panose="00000500000000000000" pitchFamily="2" charset="-34"/>
-              <a:cs typeface="Sarabun" panose="00000500000000000000" pitchFamily="2" charset="-34"/>
-            </a:endParaRPr>
-          </a:p>
-          <a:p>
-            <a:pPr marL="0" indent="0">
-              <a:buNone/>
-            </a:pPr>
-            <a:r>
-              <a:rPr lang="en-US" dirty="0">
-                <a:latin typeface="Sarabun" panose="00000500000000000000" pitchFamily="2" charset="-34"/>
-                <a:cs typeface="Sarabun" panose="00000500000000000000" pitchFamily="2" charset="-34"/>
-              </a:rPr>
-              <a:t>	• </a:t>
-            </a:r>
-            <a:r>
-              <a:rPr lang="th-TH" dirty="0">
-                <a:latin typeface="Sarabun" panose="00000500000000000000" pitchFamily="2" charset="-34"/>
-                <a:cs typeface="Sarabun" panose="00000500000000000000" pitchFamily="2" charset="-34"/>
-              </a:rPr>
-              <a:t>เรียกดูข้อมูล</a:t>
-            </a:r>
-            <a:endParaRPr lang="en-US" dirty="0">
-              <a:latin typeface="Sarabun" panose="00000500000000000000" pitchFamily="2" charset="-34"/>
-              <a:cs typeface="Sarabun" panose="00000500000000000000" pitchFamily="2" charset="-34"/>
-            </a:endParaRPr>
-          </a:p>
-        </p:txBody>
-      </p:sp>
-    </p:spTree>
-    <p:extLst>
-      <p:ext uri="{BB962C8B-B14F-4D97-AF65-F5344CB8AC3E}">
-        <p14:creationId xmlns:p14="http://schemas.microsoft.com/office/powerpoint/2010/main" val="175268834"/>
-      </p:ext>
-    </p:extLst>
-  </p:cSld>
-  <p:clrMapOvr>
-    <a:masterClrMapping/>
-  </p:clrMapOvr>
-</p:sld>
-</file>
-
-<file path=ppt/slides/slide6.xml><?xml version="1.0" encoding="utf-8"?>
-<p:sld xmlns:a="http://schemas.openxmlformats.org/drawingml/2006/main" xmlns:r="http://schemas.openxmlformats.org/officeDocument/2006/relationships" xmlns:p="http://schemas.openxmlformats.org/presentationml/2006/main">
-  <p:cSld>
-    <p:spTree>
-      <p:nvGrpSpPr>
-        <p:cNvPr id="1" name=""/>
-        <p:cNvGrpSpPr/>
-        <p:nvPr/>
-      </p:nvGrpSpPr>
-      <p:grpSpPr>
-        <a:xfrm>
-          <a:off x="0" y="0"/>
-          <a:ext cx="0" cy="0"/>
-          <a:chOff x="0" y="0"/>
-          <a:chExt cx="0" cy="0"/>
-        </a:xfrm>
-      </p:grpSpPr>
-      <p:sp>
-        <p:nvSpPr>
-          <p:cNvPr id="2" name="Title 1">
-            <a:extLst>
-              <a:ext uri="{FF2B5EF4-FFF2-40B4-BE49-F238E27FC236}">
-                <a16:creationId xmlns:a16="http://schemas.microsoft.com/office/drawing/2014/main" id="{0F50B6C8-DCFB-4F41-908B-9099157A0F6E}"/>
-              </a:ext>
-            </a:extLst>
-          </p:cNvPr>
-          <p:cNvSpPr>
-            <a:spLocks noGrp="1"/>
-          </p:cNvSpPr>
-          <p:nvPr>
-            <p:ph type="title"/>
-          </p:nvPr>
-        </p:nvSpPr>
-        <p:spPr/>
-        <p:txBody>
-          <a:bodyPr/>
-          <a:lstStyle/>
-          <a:p>
-            <a:r>
-              <a:rPr lang="th-TH" b="1" dirty="0">
-                <a:latin typeface="Sarabun" panose="00000500000000000000" pitchFamily="2" charset="-34"/>
-                <a:cs typeface="Sarabun" panose="00000500000000000000" pitchFamily="2" charset="-34"/>
-              </a:rPr>
-              <a:t>ความสามารถของระบบ</a:t>
-            </a:r>
-            <a:r>
-              <a:rPr lang="en-US" b="1" dirty="0">
-                <a:latin typeface="Sarabun" panose="00000500000000000000" pitchFamily="2" charset="-34"/>
-                <a:cs typeface="Sarabun" panose="00000500000000000000" pitchFamily="2" charset="-34"/>
-              </a:rPr>
-              <a:t> (</a:t>
-            </a:r>
-            <a:r>
-              <a:rPr lang="th-TH" b="1" dirty="0">
-                <a:latin typeface="Sarabun" panose="00000500000000000000" pitchFamily="2" charset="-34"/>
-                <a:cs typeface="Sarabun" panose="00000500000000000000" pitchFamily="2" charset="-34"/>
-              </a:rPr>
-              <a:t>ต่อ</a:t>
-            </a:r>
-            <a:r>
-              <a:rPr lang="en-US" b="1" dirty="0">
-                <a:latin typeface="Sarabun" panose="00000500000000000000" pitchFamily="2" charset="-34"/>
-                <a:cs typeface="Sarabun" panose="00000500000000000000" pitchFamily="2" charset="-34"/>
-              </a:rPr>
-              <a:t>)</a:t>
-            </a:r>
-          </a:p>
-        </p:txBody>
-      </p:sp>
-      <p:sp>
-        <p:nvSpPr>
-          <p:cNvPr id="3" name="Content Placeholder 2">
-            <a:extLst>
-              <a:ext uri="{FF2B5EF4-FFF2-40B4-BE49-F238E27FC236}">
-                <a16:creationId xmlns:a16="http://schemas.microsoft.com/office/drawing/2014/main" id="{5AF2BBD3-0120-4E7A-9295-9FA3D3068B1A}"/>
-              </a:ext>
-            </a:extLst>
-          </p:cNvPr>
-          <p:cNvSpPr>
-            <a:spLocks noGrp="1"/>
-          </p:cNvSpPr>
-          <p:nvPr>
-            <p:ph idx="1"/>
-          </p:nvPr>
-        </p:nvSpPr>
-        <p:spPr/>
-        <p:txBody>
-          <a:bodyPr>
-            <a:normAutofit fontScale="92500" lnSpcReduction="20000"/>
-          </a:bodyPr>
-          <a:lstStyle/>
-          <a:p>
-            <a:pPr marL="0" indent="0">
-              <a:buNone/>
-            </a:pPr>
-            <a:r>
-              <a:rPr lang="th-TH" dirty="0">
-                <a:latin typeface="Sarabun" panose="00000500000000000000" pitchFamily="2" charset="-34"/>
-                <a:cs typeface="Sarabun" panose="00000500000000000000" pitchFamily="2" charset="-34"/>
-              </a:rPr>
-              <a:t>3) ขอลางาน</a:t>
-            </a:r>
-            <a:endParaRPr lang="en-US" dirty="0">
-              <a:latin typeface="Sarabun" panose="00000500000000000000" pitchFamily="2" charset="-34"/>
-              <a:cs typeface="Sarabun" panose="00000500000000000000" pitchFamily="2" charset="-34"/>
-            </a:endParaRPr>
-          </a:p>
-          <a:p>
-            <a:pPr marL="0" indent="0">
-              <a:buNone/>
-            </a:pPr>
-            <a:r>
-              <a:rPr lang="en-US" dirty="0">
-                <a:latin typeface="Sarabun" panose="00000500000000000000" pitchFamily="2" charset="-34"/>
-                <a:cs typeface="Sarabun" panose="00000500000000000000" pitchFamily="2" charset="-34"/>
-              </a:rPr>
-              <a:t>	• </a:t>
-            </a:r>
-            <a:r>
-              <a:rPr lang="th-TH" dirty="0">
-                <a:latin typeface="Sarabun" panose="00000500000000000000" pitchFamily="2" charset="-34"/>
-                <a:cs typeface="Sarabun" panose="00000500000000000000" pitchFamily="2" charset="-34"/>
-              </a:rPr>
-              <a:t>เลือกลางานได้จากเหตุผลการลางานต่าง ๆ เช่น ลาป่วย ลากิจ พักร้อน ชดเชย </a:t>
-            </a:r>
-            <a:r>
-              <a:rPr lang="en-US" dirty="0">
-                <a:latin typeface="Sarabun" panose="00000500000000000000" pitchFamily="2" charset="-34"/>
-                <a:cs typeface="Sarabun" panose="00000500000000000000" pitchFamily="2" charset="-34"/>
-              </a:rPr>
-              <a:t>	   </a:t>
-            </a:r>
-            <a:r>
-              <a:rPr lang="th-TH" dirty="0">
-                <a:latin typeface="Sarabun" panose="00000500000000000000" pitchFamily="2" charset="-34"/>
-                <a:cs typeface="Sarabun" panose="00000500000000000000" pitchFamily="2" charset="-34"/>
-              </a:rPr>
-              <a:t>โดยระบุวัน เดือน ปีและจะไม่นับวันหยุดเสาร์ อาทิตย์</a:t>
-            </a:r>
-            <a:endParaRPr lang="en-US" dirty="0">
-              <a:latin typeface="Sarabun" panose="00000500000000000000" pitchFamily="2" charset="-34"/>
-              <a:cs typeface="Sarabun" panose="00000500000000000000" pitchFamily="2" charset="-34"/>
-            </a:endParaRPr>
-          </a:p>
-          <a:p>
-            <a:pPr marL="0" indent="0">
-              <a:buNone/>
-            </a:pPr>
-            <a:r>
-              <a:rPr lang="en-US" dirty="0">
-                <a:latin typeface="Sarabun" panose="00000500000000000000" pitchFamily="2" charset="-34"/>
-                <a:cs typeface="Sarabun" panose="00000500000000000000" pitchFamily="2" charset="-34"/>
-              </a:rPr>
-              <a:t>	• </a:t>
-            </a:r>
-            <a:r>
-              <a:rPr lang="th-TH" dirty="0">
-                <a:latin typeface="Sarabun" panose="00000500000000000000" pitchFamily="2" charset="-34"/>
-                <a:cs typeface="Sarabun" panose="00000500000000000000" pitchFamily="2" charset="-34"/>
-              </a:rPr>
-              <a:t>ลาป่วย เกิน 2 วัน และหากติดวันจันทร์หรือวันศุกร์ ต้องอัปโหลดใบรับรอง </a:t>
-            </a:r>
-            <a:r>
-              <a:rPr lang="en-US" dirty="0">
-                <a:latin typeface="Sarabun" panose="00000500000000000000" pitchFamily="2" charset="-34"/>
-                <a:cs typeface="Sarabun" panose="00000500000000000000" pitchFamily="2" charset="-34"/>
-              </a:rPr>
-              <a:t>		   </a:t>
-            </a:r>
-            <a:r>
-              <a:rPr lang="th-TH" dirty="0">
-                <a:latin typeface="Sarabun" panose="00000500000000000000" pitchFamily="2" charset="-34"/>
-                <a:cs typeface="Sarabun" panose="00000500000000000000" pitchFamily="2" charset="-34"/>
-              </a:rPr>
-              <a:t>แพทย์และใส่หมายเหตุ</a:t>
-            </a:r>
-            <a:endParaRPr lang="en-US" dirty="0">
-              <a:latin typeface="Sarabun" panose="00000500000000000000" pitchFamily="2" charset="-34"/>
-              <a:cs typeface="Sarabun" panose="00000500000000000000" pitchFamily="2" charset="-34"/>
-            </a:endParaRPr>
-          </a:p>
-          <a:p>
-            <a:pPr marL="0" indent="0">
-              <a:buNone/>
-            </a:pPr>
-            <a:r>
-              <a:rPr lang="en-US" dirty="0">
-                <a:latin typeface="Sarabun" panose="00000500000000000000" pitchFamily="2" charset="-34"/>
-                <a:cs typeface="Sarabun" panose="00000500000000000000" pitchFamily="2" charset="-34"/>
-              </a:rPr>
-              <a:t>	• </a:t>
-            </a:r>
-            <a:r>
-              <a:rPr lang="th-TH" dirty="0">
-                <a:latin typeface="Sarabun" panose="00000500000000000000" pitchFamily="2" charset="-34"/>
-                <a:cs typeface="Sarabun" panose="00000500000000000000" pitchFamily="2" charset="-34"/>
-              </a:rPr>
-              <a:t>ลากิจ พร้อมใส่หมายเหตุ</a:t>
-            </a:r>
-          </a:p>
-          <a:p>
-            <a:pPr marL="0" indent="0">
-              <a:buNone/>
-            </a:pPr>
-            <a:r>
-              <a:rPr lang="en-US" dirty="0">
-                <a:latin typeface="Sarabun" panose="00000500000000000000" pitchFamily="2" charset="-34"/>
-                <a:cs typeface="Sarabun" panose="00000500000000000000" pitchFamily="2" charset="-34"/>
-              </a:rPr>
-              <a:t>	• </a:t>
-            </a:r>
-            <a:r>
-              <a:rPr lang="th-TH" dirty="0">
-                <a:latin typeface="Sarabun" panose="00000500000000000000" pitchFamily="2" charset="-34"/>
-                <a:cs typeface="Sarabun" panose="00000500000000000000" pitchFamily="2" charset="-34"/>
-              </a:rPr>
-              <a:t>ลาพักร้อน และไม่ต้องใส่หมายเหตุ</a:t>
-            </a:r>
-            <a:endParaRPr lang="en-US" dirty="0">
-              <a:latin typeface="Sarabun" panose="00000500000000000000" pitchFamily="2" charset="-34"/>
-              <a:cs typeface="Sarabun" panose="00000500000000000000" pitchFamily="2" charset="-34"/>
-            </a:endParaRPr>
-          </a:p>
-          <a:p>
-            <a:pPr marL="0" indent="0">
-              <a:buNone/>
-            </a:pPr>
-            <a:r>
-              <a:rPr lang="en-US" dirty="0">
-                <a:latin typeface="Sarabun" panose="00000500000000000000" pitchFamily="2" charset="-34"/>
-                <a:cs typeface="Sarabun" panose="00000500000000000000" pitchFamily="2" charset="-34"/>
-              </a:rPr>
-              <a:t>	• </a:t>
-            </a:r>
-            <a:r>
-              <a:rPr lang="th-TH" dirty="0">
-                <a:latin typeface="Sarabun" panose="00000500000000000000" pitchFamily="2" charset="-34"/>
-                <a:cs typeface="Sarabun" panose="00000500000000000000" pitchFamily="2" charset="-34"/>
-              </a:rPr>
-              <a:t>ลาชดเชยล่วงเวลา ขึ้นอยู่กับจำนวนลาชดเชยสูงสุดของผู้ใช้คนนั้น ๆ</a:t>
-            </a:r>
-            <a:endParaRPr lang="en-US" dirty="0">
-              <a:latin typeface="Sarabun" panose="00000500000000000000" pitchFamily="2" charset="-34"/>
-              <a:cs typeface="Sarabun" panose="00000500000000000000" pitchFamily="2" charset="-34"/>
-            </a:endParaRPr>
-          </a:p>
-        </p:txBody>
-      </p:sp>
-    </p:spTree>
-    <p:extLst>
-      <p:ext uri="{BB962C8B-B14F-4D97-AF65-F5344CB8AC3E}">
-        <p14:creationId xmlns:p14="http://schemas.microsoft.com/office/powerpoint/2010/main" val="2092351560"/>
-      </p:ext>
-    </p:extLst>
-  </p:cSld>
-  <p:clrMapOvr>
-    <a:masterClrMapping/>
-  </p:clrMapOvr>
-</p:sld>
-</file>
-
 <file path=ppt/slides/slide7.xml><?xml version="1.0" encoding="utf-8"?>
 <p:sld xmlns:a="http://schemas.openxmlformats.org/drawingml/2006/main" xmlns:r="http://schemas.openxmlformats.org/officeDocument/2006/relationships" xmlns:p="http://schemas.openxmlformats.org/presentationml/2006/main">
   <p:cSld>
@@ -15736,27 +16737,10 @@
               </a:rPr>
               <a:t>ความสามารถของระบบ</a:t>
             </a:r>
-            <a:r>
-              <a:rPr lang="en-US" b="1" dirty="0">
-                <a:latin typeface="Sarabun" panose="00000500000000000000" pitchFamily="2" charset="-34"/>
-                <a:cs typeface="Sarabun" panose="00000500000000000000" pitchFamily="2" charset="-34"/>
-              </a:rPr>
-              <a:t> (</a:t>
-            </a:r>
-            <a:r>
-              <a:rPr lang="th-TH" b="1" dirty="0">
-                <a:latin typeface="Sarabun" panose="00000500000000000000" pitchFamily="2" charset="-34"/>
-                <a:cs typeface="Sarabun" panose="00000500000000000000" pitchFamily="2" charset="-34"/>
-              </a:rPr>
-              <a:t>ต่อ</a:t>
-            </a:r>
-            <a:r>
-              <a:rPr lang="en-US" b="1" dirty="0">
-                <a:latin typeface="Sarabun" panose="00000500000000000000" pitchFamily="2" charset="-34"/>
-                <a:cs typeface="Sarabun" panose="00000500000000000000" pitchFamily="2" charset="-34"/>
-              </a:rPr>
-              <a:t>)</a:t>
-            </a:r>
+            <a:endParaRPr lang="en-US" b="1" dirty="0">
+              <a:latin typeface="Sarabun" panose="00000500000000000000" pitchFamily="2" charset="-34"/>
+              <a:cs typeface="Sarabun" panose="00000500000000000000" pitchFamily="2" charset="-34"/>
+            </a:endParaRPr>
           </a:p>
         </p:txBody>
       </p:sp>
@@ -15778,9 +16762,7 @@
         </p:nvSpPr>
         <p:spPr/>
         <p:txBody>
-          <a:bodyPr>
-            <a:normAutofit/>
-          </a:bodyPr>
+          <a:bodyPr/>
           <a:lstStyle/>
           <a:p>
             <a:pPr marL="0" indent="0">
@@ -15791,7 +16773,7 @@
                 <a:latin typeface="Sarabun" panose="00000500000000000000" pitchFamily="2" charset="-34"/>
                 <a:cs typeface="Sarabun" panose="00000500000000000000" pitchFamily="2" charset="-34"/>
               </a:rPr>
-              <a:t>4) อนุมัติการลา</a:t>
+              <a:t>1) เข้าสู่ระบบ</a:t>
             </a:r>
             <a:endParaRPr lang="en-US" dirty="0">
               <a:latin typeface="Sarabun" panose="00000500000000000000" pitchFamily="2" charset="-34"/>
@@ -15814,93 +16796,67 @@
                 <a:latin typeface="Sarabun" panose="00000500000000000000" pitchFamily="2" charset="-34"/>
                 <a:cs typeface="Sarabun" panose="00000500000000000000" pitchFamily="2" charset="-34"/>
               </a:rPr>
-              <a:t>เลือกอนุมัติขอลางานจากผู้ใช้ที่อยู่ในการดูแล โดยดูจาก เอกสาร และ</a:t>
+              <a:t>เข้าสู่ระบบพร้อมเข้ารหัสด้วย </a:t>
             </a:r>
             <a:r>
               <a:rPr lang="en-US" dirty="0">
                 <a:latin typeface="Sarabun" panose="00000500000000000000" pitchFamily="2" charset="-34"/>
                 <a:cs typeface="Sarabun" panose="00000500000000000000" pitchFamily="2" charset="-34"/>
               </a:rPr>
-              <a:t>	   </a:t>
-            </a:r>
-            <a:r>
-              <a:rPr lang="th-TH" dirty="0">
-                <a:latin typeface="Sarabun" panose="00000500000000000000" pitchFamily="2" charset="-34"/>
-                <a:cs typeface="Sarabun" panose="00000500000000000000" pitchFamily="2" charset="-34"/>
-              </a:rPr>
-              <a:t>หมาย เหตุของการลานั้น</a:t>
-            </a:r>
+              <a:t>JWT (JSON Web Token)</a:t>
+            </a:r>
+          </a:p>
+          <a:p>
+            <a:pPr marL="0" indent="0">
+              <a:buNone/>
+            </a:pPr>
             <a:endParaRPr lang="en-US" dirty="0">
               <a:latin typeface="Sarabun" panose="00000500000000000000" pitchFamily="2" charset="-34"/>
               <a:cs typeface="Sarabun" panose="00000500000000000000" pitchFamily="2" charset="-34"/>
             </a:endParaRPr>
           </a:p>
-          <a:p>
-            <a:pPr marL="0" indent="0">
-              <a:buNone/>
-            </a:pPr>
-            <a:r>
-              <a:rPr lang="en-US" dirty="0">
-                <a:latin typeface="Sarabun" panose="00000500000000000000" pitchFamily="2" charset="-34"/>
-                <a:cs typeface="Sarabun" panose="00000500000000000000" pitchFamily="2" charset="-34"/>
-              </a:rPr>
-              <a:t>	• </a:t>
-            </a:r>
-            <a:r>
-              <a:rPr lang="th-TH" dirty="0">
-                <a:latin typeface="Sarabun" panose="00000500000000000000" pitchFamily="2" charset="-34"/>
-                <a:cs typeface="Sarabun" panose="00000500000000000000" pitchFamily="2" charset="-34"/>
-              </a:rPr>
-              <a:t>เลือกไม่อนุมัติ พร้อมหมายเหตุเพื่อบอกถึงเหตุผล</a:t>
-            </a:r>
-            <a:endParaRPr lang="en-US" dirty="0">
-              <a:latin typeface="Sarabun" panose="00000500000000000000" pitchFamily="2" charset="-34"/>
-              <a:cs typeface="Sarabun" panose="00000500000000000000" pitchFamily="2" charset="-34"/>
-            </a:endParaRPr>
-          </a:p>
-          <a:p>
-            <a:pPr marL="0" indent="0">
-              <a:buNone/>
-            </a:pPr>
-            <a:r>
-              <a:rPr lang="en-US" dirty="0">
-                <a:latin typeface="Sarabun" panose="00000500000000000000" pitchFamily="2" charset="-34"/>
-                <a:cs typeface="Sarabun" panose="00000500000000000000" pitchFamily="2" charset="-34"/>
-              </a:rPr>
-              <a:t>	• </a:t>
-            </a:r>
-            <a:r>
-              <a:rPr lang="th-TH" dirty="0">
-                <a:latin typeface="Sarabun" panose="00000500000000000000" pitchFamily="2" charset="-34"/>
-                <a:cs typeface="Sarabun" panose="00000500000000000000" pitchFamily="2" charset="-34"/>
-              </a:rPr>
-              <a:t>ลาป่วย เกิน 2 วัน และหากติดวันจันทร์หรือวันศุกร์ต้องครวจสอบ</a:t>
-            </a:r>
-            <a:r>
-              <a:rPr lang="en-US" dirty="0">
-                <a:latin typeface="Sarabun" panose="00000500000000000000" pitchFamily="2" charset="-34"/>
-                <a:cs typeface="Sarabun" panose="00000500000000000000" pitchFamily="2" charset="-34"/>
-              </a:rPr>
-              <a:t>		   </a:t>
-            </a:r>
-            <a:r>
-              <a:rPr lang="th-TH" dirty="0">
-                <a:latin typeface="Sarabun" panose="00000500000000000000" pitchFamily="2" charset="-34"/>
-                <a:cs typeface="Sarabun" panose="00000500000000000000" pitchFamily="2" charset="-34"/>
-              </a:rPr>
-              <a:t>ใบรับรอง แพทย์และหมายเหตุ</a:t>
-            </a:r>
-            <a:endParaRPr lang="en-US" dirty="0">
-              <a:latin typeface="Sarabun" panose="00000500000000000000" pitchFamily="2" charset="-34"/>
-              <a:cs typeface="Sarabun" panose="00000500000000000000" pitchFamily="2" charset="-34"/>
-            </a:endParaRPr>
-          </a:p>
         </p:txBody>
       </p:sp>
+      <p:pic>
+        <p:nvPicPr>
+          <p:cNvPr id="6" name="Picture 5">
+            <a:extLst>
+              <a:ext uri="{FF2B5EF4-FFF2-40B4-BE49-F238E27FC236}">
+                <a16:creationId xmlns:a16="http://schemas.microsoft.com/office/drawing/2014/main" id="{20812A45-219E-4850-9B47-94AB5FBB83AB}"/>
+              </a:ext>
+            </a:extLst>
+          </p:cNvPr>
+          <p:cNvPicPr>
+            <a:picLocks noChangeAspect="1"/>
+          </p:cNvPicPr>
+          <p:nvPr/>
+        </p:nvPicPr>
+        <p:blipFill>
+          <a:blip r:embed="rId2">
+            <a:extLst>
+              <a:ext uri="{28A0092B-C50C-407E-A947-70E740481C1C}">
+                <a14:useLocalDpi xmlns:a14="http://schemas.microsoft.com/office/drawing/2010/main" val="0"/>
+              </a:ext>
+            </a:extLst>
+          </a:blip>
+          <a:stretch>
+            <a:fillRect/>
+          </a:stretch>
+        </p:blipFill>
+        <p:spPr>
+          <a:xfrm>
+            <a:off x="4922607" y="4020344"/>
+            <a:ext cx="2343608" cy="2359026"/>
+          </a:xfrm>
+          <a:prstGeom prst="rect">
+            <a:avLst/>
+          </a:prstGeom>
+        </p:spPr>
+      </p:pic>
     </p:spTree>
     <p:extLst>
       <p:ext uri="{BB962C8B-B14F-4D97-AF65-F5344CB8AC3E}">
-        <p14:creationId xmlns:p14="http://schemas.microsoft.com/office/powerpoint/2010/main" val="3934010467"/>
+        <p14:creationId xmlns:p14="http://schemas.microsoft.com/office/powerpoint/2010/main" val="2615259699"/>
       </p:ext>
     </p:extLst>
   </p:cSld>
@@ -15997,9 +16953,7 @@
         </p:nvSpPr>
         <p:spPr/>
         <p:txBody>
-          <a:bodyPr>
-            <a:normAutofit/>
-          </a:bodyPr>
+          <a:bodyPr/>
           <a:lstStyle/>
           <a:p>
             <a:pPr marL="0" indent="0">
@@ -16010,7 +16964,7 @@
                 <a:latin typeface="Sarabun" panose="00000500000000000000" pitchFamily="2" charset="-34"/>
                 <a:cs typeface="Sarabun" panose="00000500000000000000" pitchFamily="2" charset="-34"/>
               </a:rPr>
-              <a:t>5) อัปโหลด</a:t>
+              <a:t>2) ระบบจัดการข้อมูล</a:t>
             </a:r>
             <a:endParaRPr lang="en-US" dirty="0">
               <a:latin typeface="Sarabun" panose="00000500000000000000" pitchFamily="2" charset="-34"/>
@@ -16033,7 +16987,7 @@
                 <a:latin typeface="Sarabun" panose="00000500000000000000" pitchFamily="2" charset="-34"/>
                 <a:cs typeface="Sarabun" panose="00000500000000000000" pitchFamily="2" charset="-34"/>
               </a:rPr>
-              <a:t>อัปโหลดไฟล์ หรือใบรับรองแพทย์เพื่อประกอบการลาได้</a:t>
+              <a:t>สร้างผู้ใช้โดยฝ่ายทรัพยากรบุคคล</a:t>
             </a:r>
             <a:endParaRPr lang="en-US" dirty="0">
               <a:latin typeface="Sarabun" panose="00000500000000000000" pitchFamily="2" charset="-34"/>
@@ -16056,64 +17010,65 @@
                 <a:latin typeface="Sarabun" panose="00000500000000000000" pitchFamily="2" charset="-34"/>
                 <a:cs typeface="Sarabun" panose="00000500000000000000" pitchFamily="2" charset="-34"/>
               </a:rPr>
-              <a:t>ประเภทไฟล์ที่สามารถอัปโหลดได้ต้องเป็น </a:t>
-            </a:r>
+              <a:t>รหัสผู้ใช้สร้างอัตโนมัติ</a:t>
+            </a:r>
+            <a:endParaRPr lang="en-US" dirty="0">
+              <a:latin typeface="Sarabun" panose="00000500000000000000" pitchFamily="2" charset="-34"/>
+              <a:cs typeface="Sarabun" panose="00000500000000000000" pitchFamily="2" charset="-34"/>
+            </a:endParaRPr>
+          </a:p>
+          <a:p>
+            <a:pPr marL="0" indent="0">
+              <a:buNone/>
+            </a:pPr>
             <a:r>
               <a:rPr lang="en-US" dirty="0">
                 <a:latin typeface="Sarabun" panose="00000500000000000000" pitchFamily="2" charset="-34"/>
                 <a:cs typeface="Sarabun" panose="00000500000000000000" pitchFamily="2" charset="-34"/>
               </a:rPr>
-              <a:t>png jpg </a:t>
+              <a:t>	• </a:t>
             </a:r>
             <a:r>
               <a:rPr lang="th-TH" dirty="0">
                 <a:latin typeface="Sarabun" panose="00000500000000000000" pitchFamily="2" charset="-34"/>
                 <a:cs typeface="Sarabun" panose="00000500000000000000" pitchFamily="2" charset="-34"/>
               </a:rPr>
-              <a:t>หรือ </a:t>
-            </a:r>
+              <a:t>แก้ไข้ข้อมูลโดยฝ่ายทรัพยากรบุคคล</a:t>
+            </a:r>
+            <a:endParaRPr lang="en-US" dirty="0">
+              <a:latin typeface="Sarabun" panose="00000500000000000000" pitchFamily="2" charset="-34"/>
+              <a:cs typeface="Sarabun" panose="00000500000000000000" pitchFamily="2" charset="-34"/>
+            </a:endParaRPr>
+          </a:p>
+          <a:p>
+            <a:pPr marL="0" indent="0">
+              <a:buNone/>
+            </a:pPr>
             <a:r>
               <a:rPr lang="en-US" dirty="0">
                 <a:latin typeface="Sarabun" panose="00000500000000000000" pitchFamily="2" charset="-34"/>
                 <a:cs typeface="Sarabun" panose="00000500000000000000" pitchFamily="2" charset="-34"/>
               </a:rPr>
-              <a:t>pdf </a:t>
+              <a:t>	• </a:t>
             </a:r>
             <a:r>
               <a:rPr lang="th-TH" dirty="0">
                 <a:latin typeface="Sarabun" panose="00000500000000000000" pitchFamily="2" charset="-34"/>
                 <a:cs typeface="Sarabun" panose="00000500000000000000" pitchFamily="2" charset="-34"/>
               </a:rPr>
-              <a:t>ขนาดไม่</a:t>
-            </a:r>
-            <a:r>
-              <a:rPr lang="en-US" dirty="0">
-                <a:latin typeface="Sarabun" panose="00000500000000000000" pitchFamily="2" charset="-34"/>
-                <a:cs typeface="Sarabun" panose="00000500000000000000" pitchFamily="2" charset="-34"/>
-              </a:rPr>
-              <a:t>	   </a:t>
-            </a:r>
-            <a:r>
-              <a:rPr lang="th-TH" dirty="0">
-                <a:latin typeface="Sarabun" panose="00000500000000000000" pitchFamily="2" charset="-34"/>
-                <a:cs typeface="Sarabun" panose="00000500000000000000" pitchFamily="2" charset="-34"/>
-              </a:rPr>
-              <a:t>เกิน 10</a:t>
-            </a:r>
-            <a:r>
-              <a:rPr lang="en-US" dirty="0">
-                <a:latin typeface="Sarabun" panose="00000500000000000000" pitchFamily="2" charset="-34"/>
-                <a:cs typeface="Sarabun" panose="00000500000000000000" pitchFamily="2" charset="-34"/>
-              </a:rPr>
-              <a:t>Mb</a:t>
-            </a:r>
+              <a:t>เรียกดูข้อมูล</a:t>
+            </a:r>
+            <a:endParaRPr lang="en-US" dirty="0">
+              <a:latin typeface="Sarabun" panose="00000500000000000000" pitchFamily="2" charset="-34"/>
+              <a:cs typeface="Sarabun" panose="00000500000000000000" pitchFamily="2" charset="-34"/>
+            </a:endParaRPr>
           </a:p>
         </p:txBody>
       </p:sp>
     </p:spTree>
     <p:extLst>
       <p:ext uri="{BB962C8B-B14F-4D97-AF65-F5344CB8AC3E}">
-        <p14:creationId xmlns:p14="http://schemas.microsoft.com/office/powerpoint/2010/main" val="1731320417"/>
+        <p14:creationId xmlns:p14="http://schemas.microsoft.com/office/powerpoint/2010/main" val="175268834"/>
       </p:ext>
     </p:extLst>
   </p:cSld>
@@ -16211,7 +17166,7 @@
         <p:spPr/>
         <p:txBody>
           <a:bodyPr>
-            <a:normAutofit fontScale="85000" lnSpcReduction="20000"/>
+            <a:normAutofit fontScale="92500" lnSpcReduction="20000"/>
           </a:bodyPr>
           <a:lstStyle/>
           <a:p>
@@ -16223,7 +17178,7 @@
                 <a:latin typeface="Sarabun" panose="00000500000000000000" pitchFamily="2" charset="-34"/>
                 <a:cs typeface="Sarabun" panose="00000500000000000000" pitchFamily="2" charset="-34"/>
               </a:rPr>
-              <a:t>6) รายงาน</a:t>
+              <a:t>3) ขอลางาน</a:t>
             </a:r>
             <a:endParaRPr lang="en-US" dirty="0">
               <a:latin typeface="Sarabun" panose="00000500000000000000" pitchFamily="2" charset="-34"/>
@@ -16246,7 +17201,21 @@
                 <a:latin typeface="Sarabun" panose="00000500000000000000" pitchFamily="2" charset="-34"/>
                 <a:cs typeface="Sarabun" panose="00000500000000000000" pitchFamily="2" charset="-34"/>
               </a:rPr>
-              <a:t>แสดงข้อมูลโดยสรุปของผู้ใช้โดยนับย้อนหลัง 1 เดือนเป็นค่าเริ่มต้น</a:t>
+              <a:t>เลือกลางานได้จากเหตุผลการลางานต่าง ๆ เช่น ลาป่วย ลากิจ พักร้อน ชดเชย </a:t>
+            </a:r>
+            <a:r>
+              <a:rPr lang="en-US" dirty="0">
+                <a:latin typeface="Sarabun" panose="00000500000000000000" pitchFamily="2" charset="-34"/>
+                <a:cs typeface="Sarabun" panose="00000500000000000000" pitchFamily="2" charset="-34"/>
+              </a:rPr>
+              <a:t>	   </a:t>
+            </a:r>
+            <a:r>
+              <a:rPr lang="th-TH" dirty="0">
+                <a:latin typeface="Sarabun" panose="00000500000000000000" pitchFamily="2" charset="-34"/>
+                <a:cs typeface="Sarabun" panose="00000500000000000000" pitchFamily="2" charset="-34"/>
+              </a:rPr>
+              <a:t>โดยระบุวัน เดือน ปีและจะไม่นับวันหยุดเสาร์ อาทิตย์</a:t>
             </a:r>
             <a:endParaRPr lang="en-US" dirty="0">
               <a:latin typeface="Sarabun" panose="00000500000000000000" pitchFamily="2" charset="-34"/>
@@ -16269,7 +17238,21 @@
                 <a:latin typeface="Sarabun" panose="00000500000000000000" pitchFamily="2" charset="-34"/>
                 <a:cs typeface="Sarabun" panose="00000500000000000000" pitchFamily="2" charset="-34"/>
               </a:rPr>
-              <a:t>แสดงรายงานแบบ วัน เดือน ปี</a:t>
+              <a:t>ลาป่วย เกิน 2 วัน และหากติดวันจันทร์หรือวันศุกร์ ต้องอัปโหลดใบรับรอง </a:t>
+            </a:r>
+            <a:r>
+              <a:rPr lang="en-US" dirty="0">
+                <a:latin typeface="Sarabun" panose="00000500000000000000" pitchFamily="2" charset="-34"/>
+                <a:cs typeface="Sarabun" panose="00000500000000000000" pitchFamily="2" charset="-34"/>
+              </a:rPr>
+              <a:t>		   </a:t>
+            </a:r>
+            <a:r>
+              <a:rPr lang="th-TH" dirty="0">
+                <a:latin typeface="Sarabun" panose="00000500000000000000" pitchFamily="2" charset="-34"/>
+                <a:cs typeface="Sarabun" panose="00000500000000000000" pitchFamily="2" charset="-34"/>
+              </a:rPr>
+              <a:t>แพทย์และใส่หมายเหตุ</a:t>
             </a:r>
             <a:endParaRPr lang="en-US" dirty="0">
               <a:latin typeface="Sarabun" panose="00000500000000000000" pitchFamily="2" charset="-34"/>
@@ -16292,7 +17275,26 @@
                 <a:latin typeface="Sarabun" panose="00000500000000000000" pitchFamily="2" charset="-34"/>
                 <a:cs typeface="Sarabun" panose="00000500000000000000" pitchFamily="2" charset="-34"/>
               </a:rPr>
-              <a:t>แสดงรายงานโดยระบุวัน เดือน ปี</a:t>
+              <a:t>ลากิจ พร้อมใส่หมายเหตุ</a:t>
+            </a:r>
+          </a:p>
+          <a:p>
+            <a:pPr marL="0" indent="0">
+              <a:buNone/>
+            </a:pPr>
+            <a:r>
+              <a:rPr lang="en-US" dirty="0">
+                <a:latin typeface="Sarabun" panose="00000500000000000000" pitchFamily="2" charset="-34"/>
+                <a:cs typeface="Sarabun" panose="00000500000000000000" pitchFamily="2" charset="-34"/>
+              </a:rPr>
+              <a:t>	• </a:t>
+            </a:r>
+            <a:r>
+              <a:rPr lang="th-TH" dirty="0">
+                <a:latin typeface="Sarabun" panose="00000500000000000000" pitchFamily="2" charset="-34"/>
+                <a:cs typeface="Sarabun" panose="00000500000000000000" pitchFamily="2" charset="-34"/>
+              </a:rPr>
+              <a:t>ลาพักร้อน และไม่ต้องใส่หมายเหตุ</a:t>
             </a:r>
             <a:endParaRPr lang="en-US" dirty="0">
               <a:latin typeface="Sarabun" panose="00000500000000000000" pitchFamily="2" charset="-34"/>
@@ -16315,130 +17317,19 @@
                 <a:latin typeface="Sarabun" panose="00000500000000000000" pitchFamily="2" charset="-34"/>
                 <a:cs typeface="Sarabun" panose="00000500000000000000" pitchFamily="2" charset="-34"/>
               </a:rPr>
-              <a:t>แสดงรายงานโดยระบุผู้ใช้</a:t>
+              <a:t>ลาชดเชยล่วงเวลา ขึ้นอยู่กับจำนวนลาชดเชยสูงสุดของผู้ใช้คนนั้น ๆ</a:t>
             </a:r>
             <a:endParaRPr lang="en-US" dirty="0">
               <a:latin typeface="Sarabun" panose="00000500000000000000" pitchFamily="2" charset="-34"/>
               <a:cs typeface="Sarabun" panose="00000500000000000000" pitchFamily="2" charset="-34"/>
             </a:endParaRPr>
           </a:p>
-          <a:p>
-            <a:pPr marL="0" indent="0">
-              <a:buNone/>
-            </a:pPr>
-            <a:r>
-              <a:rPr lang="en-US" dirty="0">
-                <a:latin typeface="Sarabun" panose="00000500000000000000" pitchFamily="2" charset="-34"/>
-                <a:cs typeface="Sarabun" panose="00000500000000000000" pitchFamily="2" charset="-34"/>
-              </a:rPr>
-              <a:t>	• </a:t>
-            </a:r>
-            <a:r>
-              <a:rPr lang="th-TH" dirty="0">
-                <a:latin typeface="Sarabun" panose="00000500000000000000" pitchFamily="2" charset="-34"/>
-                <a:cs typeface="Sarabun" panose="00000500000000000000" pitchFamily="2" charset="-34"/>
-              </a:rPr>
-              <a:t>แสดงรายงานโดยระบุระยะวัน เดือน ปี และผู้ใช้</a:t>
-            </a:r>
-            <a:endParaRPr lang="en-US" dirty="0">
-              <a:latin typeface="Sarabun" panose="00000500000000000000" pitchFamily="2" charset="-34"/>
-              <a:cs typeface="Sarabun" panose="00000500000000000000" pitchFamily="2" charset="-34"/>
-            </a:endParaRPr>
-          </a:p>
-          <a:p>
-            <a:pPr marL="0" indent="0">
-              <a:buNone/>
-            </a:pPr>
-            <a:r>
-              <a:rPr lang="en-US" dirty="0">
-                <a:latin typeface="Sarabun" panose="00000500000000000000" pitchFamily="2" charset="-34"/>
-                <a:cs typeface="Sarabun" panose="00000500000000000000" pitchFamily="2" charset="-34"/>
-              </a:rPr>
-              <a:t>	• </a:t>
-            </a:r>
-            <a:r>
-              <a:rPr lang="th-TH" dirty="0">
-                <a:latin typeface="Sarabun" panose="00000500000000000000" pitchFamily="2" charset="-34"/>
-                <a:cs typeface="Sarabun" panose="00000500000000000000" pitchFamily="2" charset="-34"/>
-              </a:rPr>
-              <a:t>แสดงประวัติการลาย้อนหลังได้</a:t>
-            </a:r>
-            <a:endParaRPr lang="en-US" dirty="0">
-              <a:latin typeface="Sarabun" panose="00000500000000000000" pitchFamily="2" charset="-34"/>
-              <a:cs typeface="Sarabun" panose="00000500000000000000" pitchFamily="2" charset="-34"/>
-            </a:endParaRPr>
-          </a:p>
-          <a:p>
-            <a:pPr marL="0" indent="0">
-              <a:buNone/>
-            </a:pPr>
-            <a:r>
-              <a:rPr lang="en-US" dirty="0">
-                <a:latin typeface="Sarabun" panose="00000500000000000000" pitchFamily="2" charset="-34"/>
-                <a:cs typeface="Sarabun" panose="00000500000000000000" pitchFamily="2" charset="-34"/>
-              </a:rPr>
-              <a:t>	• </a:t>
-            </a:r>
-            <a:r>
-              <a:rPr lang="th-TH" dirty="0">
-                <a:latin typeface="Sarabun" panose="00000500000000000000" pitchFamily="2" charset="-34"/>
-                <a:cs typeface="Sarabun" panose="00000500000000000000" pitchFamily="2" charset="-34"/>
-              </a:rPr>
-              <a:t>แสดงประวัติการอนุมัติย้อนหลังได้</a:t>
-            </a:r>
-            <a:endParaRPr lang="en-US" dirty="0">
-              <a:latin typeface="Sarabun" panose="00000500000000000000" pitchFamily="2" charset="-34"/>
-              <a:cs typeface="Sarabun" panose="00000500000000000000" pitchFamily="2" charset="-34"/>
-            </a:endParaRPr>
-          </a:p>
         </p:txBody>
       </p:sp>
-      <p:pic>
-        <p:nvPicPr>
-          <p:cNvPr id="5" name="Picture 4">
-            <a:extLst>
-              <a:ext uri="{FF2B5EF4-FFF2-40B4-BE49-F238E27FC236}">
-                <a16:creationId xmlns:a16="http://schemas.microsoft.com/office/drawing/2014/main" id="{FD964EBA-5866-4B13-B042-3B4B37EE76E8}"/>
-              </a:ext>
-            </a:extLst>
-          </p:cNvPr>
-          <p:cNvPicPr>
-            <a:picLocks noChangeAspect="1"/>
-          </p:cNvPicPr>
-          <p:nvPr/>
-        </p:nvPicPr>
-        <p:blipFill rotWithShape="1">
-          <a:blip r:embed="rId2">
-            <a:extLst>
-              <a:ext uri="{28A0092B-C50C-407E-A947-70E740481C1C}">
-                <a14:useLocalDpi xmlns:a14="http://schemas.microsoft.com/office/drawing/2010/main" val="0"/>
-              </a:ext>
-            </a:extLst>
-          </a:blip>
-          <a:srcRect b="6980"/>
-          <a:stretch/>
-        </p:blipFill>
-        <p:spPr>
-          <a:xfrm>
-            <a:off x="7887928" y="3500283"/>
-            <a:ext cx="2944762" cy="2739199"/>
-          </a:xfrm>
-          <a:prstGeom prst="rect">
-            <a:avLst/>
-          </a:prstGeom>
-          <a:effectLst>
-            <a:outerShdw blurRad="63500" sx="102000" sy="102000" algn="ctr" rotWithShape="0">
-              <a:prstClr val="black">
-                <a:alpha val="40000"/>
-              </a:prstClr>
-            </a:outerShdw>
-          </a:effectLst>
-        </p:spPr>
-      </p:pic>
     </p:spTree>
     <p:extLst>
       <p:ext uri="{BB962C8B-B14F-4D97-AF65-F5344CB8AC3E}">
-        <p14:creationId xmlns:p14="http://schemas.microsoft.com/office/powerpoint/2010/main" val="532570330"/>
+        <p14:creationId xmlns:p14="http://schemas.microsoft.com/office/powerpoint/2010/main" val="2092351560"/>
       </p:ext>
     </p:extLst>
   </p:cSld>
